--- a/pptx/051_Linear_Regression.pptx
+++ b/pptx/051_Linear_Regression.pptx
@@ -235,7 +235,7 @@
           <a:p>
             <a:fld id="{7D48BAA4-CDAF-41B6-BD14-09C1104D2ABC}" type="datetimeFigureOut">
               <a:rPr lang="uk-UA" smtClean="0"/>
-              <a:t>14.12.2018</a:t>
+              <a:t>06.06.2021</a:t>
             </a:fld>
             <a:endParaRPr lang="uk-UA"/>
           </a:p>
@@ -313,7 +313,7 @@
           <a:p>
             <a:fld id="{1243F476-860B-4A65-8687-8964CAA026CE}" type="slidenum">
               <a:rPr lang="uk-UA" smtClean="0"/>
-              <a:t>‹№›</a:t>
+              <a:t>‹#›</a:t>
             </a:fld>
             <a:endParaRPr lang="uk-UA"/>
           </a:p>
@@ -413,7 +413,7 @@
           <a:p>
             <a:fld id="{8C675581-76A8-4E96-B3A5-55626BBCD851}" type="datetimeFigureOut">
               <a:rPr lang="uk-UA" smtClean="0"/>
-              <a:t>14.12.2018</a:t>
+              <a:t>06.06.2021</a:t>
             </a:fld>
             <a:endParaRPr lang="uk-UA"/>
           </a:p>
@@ -571,7 +571,7 @@
           <a:p>
             <a:fld id="{D2584530-CA7D-4354-9882-5DAFE98A5211}" type="slidenum">
               <a:rPr lang="uk-UA" smtClean="0"/>
-              <a:t>‹№›</a:t>
+              <a:t>‹#›</a:t>
             </a:fld>
             <a:endParaRPr lang="uk-UA"/>
           </a:p>
@@ -2137,7 +2137,9 @@
           <a:lstStyle/>
           <a:p>
             <a:pPr algn="ctr"/>
-            <a:endParaRPr lang="uk-UA"/>
+            <a:endParaRPr lang="uk-UA" dirty="0">
+              <a:latin typeface="Calibri" panose="020F0502020204030204" pitchFamily="34" charset="0"/>
+            </a:endParaRPr>
           </a:p>
         </p:txBody>
       </p:sp>
@@ -2189,7 +2191,9 @@
           <a:lstStyle/>
           <a:p>
             <a:pPr algn="ctr"/>
-            <a:endParaRPr lang="uk-UA"/>
+            <a:endParaRPr lang="uk-UA" dirty="0">
+              <a:latin typeface="Calibri" panose="020F0502020204030204" pitchFamily="34" charset="0"/>
+            </a:endParaRPr>
           </a:p>
         </p:txBody>
       </p:sp>
@@ -2422,7 +2426,7 @@
           <a:p>
             <a:fld id="{EE0C36BD-C101-446C-9D86-AD020CD43D83}" type="datetime1">
               <a:rPr lang="uk-UA" smtClean="0"/>
-              <a:t>14.12.2018</a:t>
+              <a:t>06.06.2021</a:t>
             </a:fld>
             <a:endParaRPr lang="uk-UA"/>
           </a:p>
@@ -2464,7 +2468,7 @@
           <a:p>
             <a:fld id="{472947FE-C0EE-4B89-BF95-BB6F5DBEA98C}" type="slidenum">
               <a:rPr lang="uk-UA" smtClean="0"/>
-              <a:t>‹№›</a:t>
+              <a:t>‹#›</a:t>
             </a:fld>
             <a:endParaRPr lang="uk-UA"/>
           </a:p>
@@ -2592,7 +2596,7 @@
           <a:p>
             <a:fld id="{9CD10D9B-B5C6-4E42-B22A-C7C4BC835DCB}" type="datetime1">
               <a:rPr lang="uk-UA" smtClean="0"/>
-              <a:t>14.12.2018</a:t>
+              <a:t>06.06.2021</a:t>
             </a:fld>
             <a:endParaRPr lang="uk-UA"/>
           </a:p>
@@ -2634,7 +2638,7 @@
           <a:p>
             <a:fld id="{472947FE-C0EE-4B89-BF95-BB6F5DBEA98C}" type="slidenum">
               <a:rPr lang="uk-UA" smtClean="0"/>
-              <a:t>‹№›</a:t>
+              <a:t>‹#›</a:t>
             </a:fld>
             <a:endParaRPr lang="uk-UA"/>
           </a:p>
@@ -2772,7 +2776,7 @@
           <a:p>
             <a:fld id="{50E852B1-E8B1-4B47-AFE5-D56B3640A3D7}" type="datetime1">
               <a:rPr lang="uk-UA" smtClean="0"/>
-              <a:t>14.12.2018</a:t>
+              <a:t>06.06.2021</a:t>
             </a:fld>
             <a:endParaRPr lang="uk-UA"/>
           </a:p>
@@ -2814,7 +2818,7 @@
           <a:p>
             <a:fld id="{472947FE-C0EE-4B89-BF95-BB6F5DBEA98C}" type="slidenum">
               <a:rPr lang="uk-UA" smtClean="0"/>
-              <a:t>‹№›</a:t>
+              <a:t>‹#›</a:t>
             </a:fld>
             <a:endParaRPr lang="uk-UA"/>
           </a:p>
@@ -2898,7 +2902,9 @@
           <a:lstStyle/>
           <a:p>
             <a:pPr marL="720000" algn="l"/>
-            <a:endParaRPr lang="uk-UA" sz="4000" dirty="0"/>
+            <a:endParaRPr lang="uk-UA" sz="4000" dirty="0">
+              <a:latin typeface="Calibri" panose="020F0502020204030204" pitchFamily="34" charset="0"/>
+            </a:endParaRPr>
           </a:p>
         </p:txBody>
       </p:sp>
@@ -3007,7 +3013,7 @@
           <a:p>
             <a:fld id="{163FEDB8-7778-449D-902C-3B3C568FAF6B}" type="datetime1">
               <a:rPr lang="uk-UA" smtClean="0"/>
-              <a:t>14.12.2018</a:t>
+              <a:t>06.06.2021</a:t>
             </a:fld>
             <a:endParaRPr lang="uk-UA" dirty="0"/>
           </a:p>
@@ -3054,7 +3060,7 @@
             <a:fld id="{472947FE-C0EE-4B89-BF95-BB6F5DBEA98C}" type="slidenum">
               <a:rPr lang="uk-UA" smtClean="0"/>
               <a:pPr/>
-              <a:t>‹№›</a:t>
+              <a:t>‹#›</a:t>
             </a:fld>
             <a:endParaRPr lang="uk-UA" dirty="0"/>
           </a:p>
@@ -3233,7 +3239,7 @@
             <a:fld id="{472947FE-C0EE-4B89-BF95-BB6F5DBEA98C}" type="slidenum">
               <a:rPr lang="uk-UA" smtClean="0"/>
               <a:pPr/>
-              <a:t>‹№›</a:t>
+              <a:t>‹#›</a:t>
             </a:fld>
             <a:endParaRPr lang="uk-UA" dirty="0"/>
           </a:p>
@@ -3287,7 +3293,9 @@
           <a:lstStyle/>
           <a:p>
             <a:pPr marL="720000" algn="l"/>
-            <a:endParaRPr lang="uk-UA" sz="4000" dirty="0"/>
+            <a:endParaRPr lang="uk-UA" sz="4000" dirty="0">
+              <a:latin typeface="Calibri" panose="020F0502020204030204" pitchFamily="34" charset="0"/>
+            </a:endParaRPr>
           </a:p>
         </p:txBody>
       </p:sp>
@@ -3542,7 +3550,9 @@
           <a:lstStyle/>
           <a:p>
             <a:pPr marL="720000" algn="l"/>
-            <a:endParaRPr lang="uk-UA" sz="4000" dirty="0"/>
+            <a:endParaRPr lang="uk-UA" sz="4000" dirty="0">
+              <a:latin typeface="Calibri" panose="020F0502020204030204" pitchFamily="34" charset="0"/>
+            </a:endParaRPr>
           </a:p>
         </p:txBody>
       </p:sp>
@@ -3651,7 +3661,7 @@
           <a:p>
             <a:fld id="{163FEDB8-7778-449D-902C-3B3C568FAF6B}" type="datetime1">
               <a:rPr lang="uk-UA" smtClean="0"/>
-              <a:t>14.12.2018</a:t>
+              <a:t>06.06.2021</a:t>
             </a:fld>
             <a:endParaRPr lang="uk-UA" dirty="0"/>
           </a:p>
@@ -3698,7 +3708,7 @@
             <a:fld id="{472947FE-C0EE-4B89-BF95-BB6F5DBEA98C}" type="slidenum">
               <a:rPr lang="uk-UA" smtClean="0"/>
               <a:pPr/>
-              <a:t>‹№›</a:t>
+              <a:t>‹#›</a:t>
             </a:fld>
             <a:endParaRPr lang="uk-UA" dirty="0"/>
           </a:p>
@@ -3812,7 +3822,9 @@
           <a:lstStyle/>
           <a:p>
             <a:pPr marL="720000" algn="l"/>
-            <a:endParaRPr lang="uk-UA" sz="4000" dirty="0"/>
+            <a:endParaRPr lang="uk-UA" sz="4000" dirty="0">
+              <a:latin typeface="Calibri" panose="020F0502020204030204" pitchFamily="34" charset="0"/>
+            </a:endParaRPr>
           </a:p>
         </p:txBody>
       </p:sp>
@@ -3996,7 +4008,9 @@
           <a:lstStyle/>
           <a:p>
             <a:pPr marL="720000" algn="l"/>
-            <a:endParaRPr lang="uk-UA" sz="4000" dirty="0"/>
+            <a:endParaRPr lang="uk-UA" sz="4000" dirty="0">
+              <a:latin typeface="Calibri" panose="020F0502020204030204" pitchFamily="34" charset="0"/>
+            </a:endParaRPr>
           </a:p>
         </p:txBody>
       </p:sp>
@@ -4110,7 +4124,7 @@
           <a:p>
             <a:fld id="{0528AECD-4A94-4327-BAD7-47806D0E69D9}" type="datetime1">
               <a:rPr lang="uk-UA" smtClean="0"/>
-              <a:t>14.12.2018</a:t>
+              <a:t>06.06.2021</a:t>
             </a:fld>
             <a:endParaRPr lang="uk-UA"/>
           </a:p>
@@ -4156,7 +4170,7 @@
           <a:p>
             <a:fld id="{472947FE-C0EE-4B89-BF95-BB6F5DBEA98C}" type="slidenum">
               <a:rPr lang="uk-UA" smtClean="0"/>
-              <a:t>‹№›</a:t>
+              <a:t>‹#›</a:t>
             </a:fld>
             <a:endParaRPr lang="uk-UA"/>
           </a:p>
@@ -4338,7 +4352,7 @@
             <a:fld id="{472947FE-C0EE-4B89-BF95-BB6F5DBEA98C}" type="slidenum">
               <a:rPr lang="uk-UA" smtClean="0"/>
               <a:pPr/>
-              <a:t>‹№›</a:t>
+              <a:t>‹#›</a:t>
             </a:fld>
             <a:endParaRPr lang="uk-UA" dirty="0"/>
           </a:p>
@@ -4392,7 +4406,9 @@
           <a:lstStyle/>
           <a:p>
             <a:pPr marL="720000" algn="l"/>
-            <a:endParaRPr lang="uk-UA" sz="4000" dirty="0"/>
+            <a:endParaRPr lang="uk-UA" sz="4000" dirty="0">
+              <a:latin typeface="Calibri" panose="020F0502020204030204" pitchFamily="34" charset="0"/>
+            </a:endParaRPr>
           </a:p>
         </p:txBody>
       </p:sp>
@@ -4617,7 +4633,9 @@
           <a:lstStyle/>
           <a:p>
             <a:pPr marL="720000" algn="l"/>
-            <a:endParaRPr lang="uk-UA" sz="4000" dirty="0"/>
+            <a:endParaRPr lang="uk-UA" sz="4000" dirty="0">
+              <a:latin typeface="Calibri" panose="020F0502020204030204" pitchFamily="34" charset="0"/>
+            </a:endParaRPr>
           </a:p>
         </p:txBody>
       </p:sp>
@@ -4849,7 +4867,7 @@
           <a:p>
             <a:fld id="{F2E8C604-772C-4D64-A8D0-7FDD12145456}" type="datetime1">
               <a:rPr lang="uk-UA" smtClean="0"/>
-              <a:t>14.12.2018</a:t>
+              <a:t>06.06.2021</a:t>
             </a:fld>
             <a:endParaRPr lang="uk-UA"/>
           </a:p>
@@ -4891,7 +4909,7 @@
           <a:p>
             <a:fld id="{472947FE-C0EE-4B89-BF95-BB6F5DBEA98C}" type="slidenum">
               <a:rPr lang="uk-UA" smtClean="0"/>
-              <a:t>‹№›</a:t>
+              <a:t>‹#›</a:t>
             </a:fld>
             <a:endParaRPr lang="uk-UA"/>
           </a:p>
@@ -5081,7 +5099,7 @@
           <a:p>
             <a:fld id="{FC5F74AB-A519-4C51-81E9-460DB6DE967E}" type="datetime1">
               <a:rPr lang="uk-UA" smtClean="0"/>
-              <a:t>14.12.2018</a:t>
+              <a:t>06.06.2021</a:t>
             </a:fld>
             <a:endParaRPr lang="uk-UA"/>
           </a:p>
@@ -5123,7 +5141,7 @@
           <a:p>
             <a:fld id="{472947FE-C0EE-4B89-BF95-BB6F5DBEA98C}" type="slidenum">
               <a:rPr lang="uk-UA" smtClean="0"/>
-              <a:t>‹№›</a:t>
+              <a:t>‹#›</a:t>
             </a:fld>
             <a:endParaRPr lang="uk-UA"/>
           </a:p>
@@ -5448,7 +5466,7 @@
           <a:p>
             <a:fld id="{6A355421-69F2-4C8A-BDA5-833AB0074E0F}" type="datetime1">
               <a:rPr lang="uk-UA" smtClean="0"/>
-              <a:t>14.12.2018</a:t>
+              <a:t>06.06.2021</a:t>
             </a:fld>
             <a:endParaRPr lang="uk-UA"/>
           </a:p>
@@ -5490,7 +5508,7 @@
           <a:p>
             <a:fld id="{472947FE-C0EE-4B89-BF95-BB6F5DBEA98C}" type="slidenum">
               <a:rPr lang="uk-UA" smtClean="0"/>
-              <a:t>‹№›</a:t>
+              <a:t>‹#›</a:t>
             </a:fld>
             <a:endParaRPr lang="uk-UA"/>
           </a:p>
@@ -5566,7 +5584,7 @@
           <a:p>
             <a:fld id="{07EFB70E-E816-4C44-B4E5-4897FB608D0D}" type="datetime1">
               <a:rPr lang="uk-UA" smtClean="0"/>
-              <a:t>14.12.2018</a:t>
+              <a:t>06.06.2021</a:t>
             </a:fld>
             <a:endParaRPr lang="uk-UA"/>
           </a:p>
@@ -5608,7 +5626,7 @@
           <a:p>
             <a:fld id="{472947FE-C0EE-4B89-BF95-BB6F5DBEA98C}" type="slidenum">
               <a:rPr lang="uk-UA" smtClean="0"/>
-              <a:t>‹№›</a:t>
+              <a:t>‹#›</a:t>
             </a:fld>
             <a:endParaRPr lang="uk-UA"/>
           </a:p>
@@ -5661,7 +5679,7 @@
           <a:p>
             <a:fld id="{F6525287-7E4A-46BA-85A8-82072F0BD0C7}" type="datetime1">
               <a:rPr lang="uk-UA" smtClean="0"/>
-              <a:t>14.12.2018</a:t>
+              <a:t>06.06.2021</a:t>
             </a:fld>
             <a:endParaRPr lang="uk-UA"/>
           </a:p>
@@ -5703,7 +5721,7 @@
           <a:p>
             <a:fld id="{472947FE-C0EE-4B89-BF95-BB6F5DBEA98C}" type="slidenum">
               <a:rPr lang="uk-UA" smtClean="0"/>
-              <a:t>‹№›</a:t>
+              <a:t>‹#›</a:t>
             </a:fld>
             <a:endParaRPr lang="uk-UA"/>
           </a:p>
@@ -5804,35 +5822,35 @@
           <a:p>
             <a:pPr lvl="0"/>
             <a:r>
-              <a:rPr lang="uk-UA"/>
+              <a:rPr lang="uk-UA" dirty="0"/>
               <a:t>Відредагуйте стиль зразка тексту</a:t>
             </a:r>
           </a:p>
           <a:p>
             <a:pPr lvl="1"/>
             <a:r>
-              <a:rPr lang="uk-UA"/>
+              <a:rPr lang="uk-UA" dirty="0"/>
               <a:t>Другий рівень</a:t>
             </a:r>
           </a:p>
           <a:p>
             <a:pPr lvl="2"/>
             <a:r>
-              <a:rPr lang="uk-UA"/>
+              <a:rPr lang="uk-UA" dirty="0"/>
               <a:t>Третій рівень</a:t>
             </a:r>
           </a:p>
           <a:p>
             <a:pPr lvl="3"/>
             <a:r>
-              <a:rPr lang="uk-UA"/>
+              <a:rPr lang="uk-UA" dirty="0"/>
               <a:t>Четвертий рівень</a:t>
             </a:r>
           </a:p>
           <a:p>
             <a:pPr lvl="4"/>
             <a:r>
-              <a:rPr lang="uk-UA"/>
+              <a:rPr lang="uk-UA" dirty="0"/>
               <a:t>П’ятий рівень</a:t>
             </a:r>
             <a:endParaRPr lang="en-US" dirty="0"/>
@@ -5868,15 +5886,17 @@
                     <a:tint val="75000"/>
                   </a:schemeClr>
                 </a:solidFill>
+                <a:latin typeface="Calibri" panose="020F0502020204030204" pitchFamily="34" charset="0"/>
               </a:defRPr>
             </a:lvl1pPr>
           </a:lstStyle>
           <a:p>
             <a:fld id="{0528AECD-4A94-4327-BAD7-47806D0E69D9}" type="datetime1">
               <a:rPr lang="uk-UA" smtClean="0"/>
-              <a:t>14.12.2018</a:t>
+              <a:pPr/>
+              <a:t>06.06.2021</a:t>
             </a:fld>
-            <a:endParaRPr lang="uk-UA"/>
+            <a:endParaRPr lang="uk-UA" dirty="0"/>
           </a:p>
         </p:txBody>
       </p:sp>
@@ -5909,11 +5929,12 @@
                     <a:tint val="75000"/>
                   </a:schemeClr>
                 </a:solidFill>
+                <a:latin typeface="Calibri" panose="020F0502020204030204" pitchFamily="34" charset="0"/>
               </a:defRPr>
             </a:lvl1pPr>
           </a:lstStyle>
           <a:p>
-            <a:endParaRPr lang="uk-UA"/>
+            <a:endParaRPr lang="uk-UA" dirty="0"/>
           </a:p>
         </p:txBody>
       </p:sp>
@@ -5946,15 +5967,17 @@
                     <a:tint val="75000"/>
                   </a:schemeClr>
                 </a:solidFill>
+                <a:latin typeface="Calibri" panose="020F0502020204030204" pitchFamily="34" charset="0"/>
               </a:defRPr>
             </a:lvl1pPr>
           </a:lstStyle>
           <a:p>
             <a:fld id="{472947FE-C0EE-4B89-BF95-BB6F5DBEA98C}" type="slidenum">
               <a:rPr lang="uk-UA" smtClean="0"/>
-              <a:t>‹№›</a:t>
+              <a:pPr/>
+              <a:t>‹#›</a:t>
             </a:fld>
-            <a:endParaRPr lang="uk-UA"/>
+            <a:endParaRPr lang="uk-UA" dirty="0"/>
           </a:p>
         </p:txBody>
       </p:sp>
@@ -5997,7 +6020,7 @@
           <a:solidFill>
             <a:schemeClr val="tx1"/>
           </a:solidFill>
-          <a:latin typeface="+mj-lt"/>
+          <a:latin typeface="Calibri" panose="020F0502020204030204" pitchFamily="34" charset="0"/>
           <a:ea typeface="+mj-ea"/>
           <a:cs typeface="+mj-cs"/>
         </a:defRPr>
@@ -6017,7 +6040,7 @@
           <a:solidFill>
             <a:schemeClr val="tx1"/>
           </a:solidFill>
-          <a:latin typeface="+mn-lt"/>
+          <a:latin typeface="Calibri" panose="020F0502020204030204" pitchFamily="34" charset="0"/>
           <a:ea typeface="+mn-ea"/>
           <a:cs typeface="+mn-cs"/>
         </a:defRPr>
@@ -6035,7 +6058,7 @@
           <a:solidFill>
             <a:schemeClr val="tx1"/>
           </a:solidFill>
-          <a:latin typeface="+mn-lt"/>
+          <a:latin typeface="Calibri" panose="020F0502020204030204" pitchFamily="34" charset="0"/>
           <a:ea typeface="+mn-ea"/>
           <a:cs typeface="+mn-cs"/>
         </a:defRPr>
@@ -6053,7 +6076,7 @@
           <a:solidFill>
             <a:schemeClr val="tx1"/>
           </a:solidFill>
-          <a:latin typeface="+mn-lt"/>
+          <a:latin typeface="Calibri" panose="020F0502020204030204" pitchFamily="34" charset="0"/>
           <a:ea typeface="+mn-ea"/>
           <a:cs typeface="+mn-cs"/>
         </a:defRPr>
@@ -6071,7 +6094,7 @@
           <a:solidFill>
             <a:schemeClr val="tx1"/>
           </a:solidFill>
-          <a:latin typeface="+mn-lt"/>
+          <a:latin typeface="Calibri" panose="020F0502020204030204" pitchFamily="34" charset="0"/>
           <a:ea typeface="+mn-ea"/>
           <a:cs typeface="+mn-cs"/>
         </a:defRPr>
@@ -6089,7 +6112,7 @@
           <a:solidFill>
             <a:schemeClr val="tx1"/>
           </a:solidFill>
-          <a:latin typeface="+mn-lt"/>
+          <a:latin typeface="Calibri" panose="020F0502020204030204" pitchFamily="34" charset="0"/>
           <a:ea typeface="+mn-ea"/>
           <a:cs typeface="+mn-cs"/>
         </a:defRPr>
@@ -6617,6 +6640,7 @@
                 <a:solidFill>
                   <a:srgbClr val="000000"/>
                 </a:solidFill>
+                <a:latin typeface="Calibri" panose="020F0502020204030204" pitchFamily="34" charset="0"/>
               </a:rPr>
               <a:t>Клебан Ю.В.</a:t>
             </a:r>
@@ -6821,6 +6845,7 @@
                 <a:solidFill>
                   <a:srgbClr val="000000"/>
                 </a:solidFill>
+                <a:latin typeface="Calibri" panose="020F0502020204030204" pitchFamily="34" charset="0"/>
               </a:rPr>
               <a:t>м. Київ, 2018</a:t>
             </a:r>
@@ -7106,6 +7131,7 @@
                 <a:solidFill>
                   <a:srgbClr val="000000"/>
                 </a:solidFill>
+                <a:latin typeface="Calibri" panose="020F0502020204030204" pitchFamily="34" charset="0"/>
               </a:rPr>
               <a:t>+</a:t>
             </a:r>
@@ -7113,6 +7139,7 @@
               <a:solidFill>
                 <a:srgbClr val="000000"/>
               </a:solidFill>
+              <a:latin typeface="Calibri" panose="020F0502020204030204" pitchFamily="34" charset="0"/>
             </a:endParaRPr>
           </a:p>
         </p:txBody>
@@ -7423,7 +7450,9 @@
                     <a:p>
                       <a:pPr algn="ctr"/>
                       <a:r>
-                        <a:rPr lang="uk-UA" sz="1400" dirty="0"/>
+                        <a:rPr lang="uk-UA" sz="1400" dirty="0">
+                          <a:latin typeface="Calibri" panose="020F0502020204030204" pitchFamily="34" charset="0"/>
+                        </a:rPr>
                         <a:t>№</a:t>
                       </a:r>
                     </a:p>
@@ -7437,7 +7466,9 @@
                     <a:p>
                       <a:pPr algn="ctr"/>
                       <a:r>
-                        <a:rPr lang="en-US" sz="1400" dirty="0"/>
+                        <a:rPr lang="en-US" sz="1400" dirty="0">
+                          <a:latin typeface="Calibri" panose="020F0502020204030204" pitchFamily="34" charset="0"/>
+                        </a:rPr>
                         <a:t>X1</a:t>
                       </a:r>
                       <a:endParaRPr lang="uk-UA" sz="1400" dirty="0"/>
@@ -7452,7 +7483,9 @@
                     <a:p>
                       <a:pPr algn="ctr"/>
                       <a:r>
-                        <a:rPr lang="en-US" sz="1400" dirty="0"/>
+                        <a:rPr lang="en-US" sz="1400" dirty="0">
+                          <a:latin typeface="Calibri" panose="020F0502020204030204" pitchFamily="34" charset="0"/>
+                        </a:rPr>
                         <a:t>X2</a:t>
                       </a:r>
                       <a:endParaRPr lang="uk-UA" sz="1400" dirty="0"/>
@@ -7474,7 +7507,9 @@
                     <a:p>
                       <a:pPr algn="ctr"/>
                       <a:r>
-                        <a:rPr lang="en-US" sz="1400" dirty="0"/>
+                        <a:rPr lang="en-US" sz="1400" dirty="0">
+                          <a:latin typeface="Calibri" panose="020F0502020204030204" pitchFamily="34" charset="0"/>
+                        </a:rPr>
                         <a:t>1</a:t>
                       </a:r>
                       <a:endParaRPr lang="uk-UA" sz="1400" dirty="0"/>
@@ -7489,7 +7524,9 @@
                     <a:p>
                       <a:pPr algn="ctr"/>
                       <a:r>
-                        <a:rPr lang="en-US" sz="1400" dirty="0"/>
+                        <a:rPr lang="en-US" sz="1400" dirty="0">
+                          <a:latin typeface="Calibri" panose="020F0502020204030204" pitchFamily="34" charset="0"/>
+                        </a:rPr>
                         <a:t>100</a:t>
                       </a:r>
                       <a:endParaRPr lang="uk-UA" sz="1400" dirty="0"/>
@@ -7504,7 +7541,9 @@
                     <a:p>
                       <a:pPr algn="ctr"/>
                       <a:r>
-                        <a:rPr lang="en-US" sz="1400" dirty="0"/>
+                        <a:rPr lang="en-US" sz="1400" dirty="0">
+                          <a:latin typeface="Calibri" panose="020F0502020204030204" pitchFamily="34" charset="0"/>
+                        </a:rPr>
                         <a:t>78</a:t>
                       </a:r>
                       <a:endParaRPr lang="uk-UA" sz="1400" dirty="0"/>
@@ -7526,7 +7565,9 @@
                     <a:p>
                       <a:pPr algn="ctr"/>
                       <a:r>
-                        <a:rPr lang="en-US" sz="1400" dirty="0"/>
+                        <a:rPr lang="en-US" sz="1400" dirty="0">
+                          <a:latin typeface="Calibri" panose="020F0502020204030204" pitchFamily="34" charset="0"/>
+                        </a:rPr>
                         <a:t>2</a:t>
                       </a:r>
                       <a:endParaRPr lang="uk-UA" sz="1400" dirty="0"/>
@@ -7541,7 +7582,9 @@
                     <a:p>
                       <a:pPr algn="ctr"/>
                       <a:r>
-                        <a:rPr lang="en-US" sz="1400" dirty="0"/>
+                        <a:rPr lang="en-US" sz="1400" dirty="0">
+                          <a:latin typeface="Calibri" panose="020F0502020204030204" pitchFamily="34" charset="0"/>
+                        </a:rPr>
                         <a:t>110</a:t>
                       </a:r>
                       <a:endParaRPr lang="uk-UA" sz="1400" dirty="0"/>
@@ -7556,7 +7599,9 @@
                     <a:p>
                       <a:pPr algn="ctr"/>
                       <a:r>
-                        <a:rPr lang="en-US" sz="1400" dirty="0"/>
+                        <a:rPr lang="en-US" sz="1400" dirty="0">
+                          <a:latin typeface="Calibri" panose="020F0502020204030204" pitchFamily="34" charset="0"/>
+                        </a:rPr>
                         <a:t>79</a:t>
                       </a:r>
                       <a:endParaRPr lang="uk-UA" sz="1400" dirty="0"/>
@@ -7578,7 +7623,9 @@
                     <a:p>
                       <a:pPr algn="ctr"/>
                       <a:r>
-                        <a:rPr lang="en-US" sz="1400" dirty="0"/>
+                        <a:rPr lang="en-US" sz="1400" dirty="0">
+                          <a:latin typeface="Calibri" panose="020F0502020204030204" pitchFamily="34" charset="0"/>
+                        </a:rPr>
                         <a:t>3</a:t>
                       </a:r>
                       <a:endParaRPr lang="uk-UA" sz="1400" dirty="0"/>
@@ -7593,7 +7640,9 @@
                     <a:p>
                       <a:pPr algn="ctr"/>
                       <a:r>
-                        <a:rPr lang="en-US" sz="1400" dirty="0"/>
+                        <a:rPr lang="en-US" sz="1400" dirty="0">
+                          <a:latin typeface="Calibri" panose="020F0502020204030204" pitchFamily="34" charset="0"/>
+                        </a:rPr>
                         <a:t>150</a:t>
                       </a:r>
                       <a:endParaRPr lang="uk-UA" sz="1400" dirty="0"/>
@@ -7608,7 +7657,9 @@
                     <a:p>
                       <a:pPr algn="ctr"/>
                       <a:r>
-                        <a:rPr lang="en-US" sz="1400" dirty="0"/>
+                        <a:rPr lang="en-US" sz="1400" dirty="0">
+                          <a:latin typeface="Calibri" panose="020F0502020204030204" pitchFamily="34" charset="0"/>
+                        </a:rPr>
                         <a:t>89</a:t>
                       </a:r>
                       <a:endParaRPr lang="uk-UA" sz="1400" dirty="0"/>
@@ -7630,7 +7681,9 @@
                     <a:p>
                       <a:pPr algn="ctr"/>
                       <a:r>
-                        <a:rPr lang="en-US" sz="1400" dirty="0"/>
+                        <a:rPr lang="en-US" sz="1400" dirty="0">
+                          <a:latin typeface="Calibri" panose="020F0502020204030204" pitchFamily="34" charset="0"/>
+                        </a:rPr>
                         <a:t>4</a:t>
                       </a:r>
                       <a:endParaRPr lang="uk-UA" sz="1400" dirty="0"/>
@@ -7645,7 +7698,9 @@
                     <a:p>
                       <a:pPr algn="ctr"/>
                       <a:r>
-                        <a:rPr lang="en-US" sz="1400" dirty="0"/>
+                        <a:rPr lang="en-US" sz="1400" dirty="0">
+                          <a:latin typeface="Calibri" panose="020F0502020204030204" pitchFamily="34" charset="0"/>
+                        </a:rPr>
                         <a:t>148</a:t>
                       </a:r>
                       <a:endParaRPr lang="uk-UA" sz="1400" dirty="0"/>
@@ -7660,7 +7715,9 @@
                     <a:p>
                       <a:pPr algn="ctr"/>
                       <a:r>
-                        <a:rPr lang="en-US" sz="1400" dirty="0"/>
+                        <a:rPr lang="en-US" sz="1400" dirty="0">
+                          <a:latin typeface="Calibri" panose="020F0502020204030204" pitchFamily="34" charset="0"/>
+                        </a:rPr>
                         <a:t>100</a:t>
                       </a:r>
                       <a:endParaRPr lang="uk-UA" sz="1400" dirty="0"/>
@@ -7682,7 +7739,9 @@
                     <a:p>
                       <a:pPr algn="ctr"/>
                       <a:r>
-                        <a:rPr lang="en-US" sz="1400" dirty="0"/>
+                        <a:rPr lang="en-US" sz="1400" dirty="0">
+                          <a:latin typeface="Calibri" panose="020F0502020204030204" pitchFamily="34" charset="0"/>
+                        </a:rPr>
                         <a:t>5</a:t>
                       </a:r>
                       <a:endParaRPr lang="uk-UA" sz="1400" dirty="0"/>
@@ -7697,7 +7756,9 @@
                     <a:p>
                       <a:pPr algn="ctr"/>
                       <a:r>
-                        <a:rPr lang="en-US" sz="1400" dirty="0"/>
+                        <a:rPr lang="en-US" sz="1400" dirty="0">
+                          <a:latin typeface="Calibri" panose="020F0502020204030204" pitchFamily="34" charset="0"/>
+                        </a:rPr>
                         <a:t>174</a:t>
                       </a:r>
                       <a:endParaRPr lang="uk-UA" sz="1400" dirty="0"/>
@@ -7712,7 +7773,9 @@
                     <a:p>
                       <a:pPr algn="ctr"/>
                       <a:r>
-                        <a:rPr lang="en-US" sz="1400" dirty="0"/>
+                        <a:rPr lang="en-US" sz="1400" dirty="0">
+                          <a:latin typeface="Calibri" panose="020F0502020204030204" pitchFamily="34" charset="0"/>
+                        </a:rPr>
                         <a:t>102</a:t>
                       </a:r>
                       <a:endParaRPr lang="uk-UA" sz="1400" dirty="0"/>
@@ -7734,7 +7797,9 @@
                     <a:p>
                       <a:pPr algn="ctr"/>
                       <a:r>
-                        <a:rPr lang="en-US" sz="1400" dirty="0"/>
+                        <a:rPr lang="en-US" sz="1400" dirty="0">
+                          <a:latin typeface="Calibri" panose="020F0502020204030204" pitchFamily="34" charset="0"/>
+                        </a:rPr>
                         <a:t>6</a:t>
                       </a:r>
                       <a:endParaRPr lang="uk-UA" sz="1400" dirty="0"/>
@@ -7749,7 +7814,9 @@
                     <a:p>
                       <a:pPr algn="ctr"/>
                       <a:r>
-                        <a:rPr lang="en-US" sz="1400" dirty="0"/>
+                        <a:rPr lang="en-US" sz="1400" dirty="0">
+                          <a:latin typeface="Calibri" panose="020F0502020204030204" pitchFamily="34" charset="0"/>
+                        </a:rPr>
                         <a:t>123</a:t>
                       </a:r>
                       <a:endParaRPr lang="uk-UA" sz="1400" dirty="0"/>
@@ -7764,7 +7831,9 @@
                     <a:p>
                       <a:pPr algn="ctr"/>
                       <a:r>
-                        <a:rPr lang="en-US" sz="1400" dirty="0"/>
+                        <a:rPr lang="en-US" sz="1400" dirty="0">
+                          <a:latin typeface="Calibri" panose="020F0502020204030204" pitchFamily="34" charset="0"/>
+                        </a:rPr>
                         <a:t>91</a:t>
                       </a:r>
                       <a:endParaRPr lang="uk-UA" sz="1400" dirty="0"/>
@@ -7854,12 +7923,14 @@
           <a:lstStyle/>
           <a:p>
             <a:pPr algn="ctr"/>
-            <a:endParaRPr lang="uk-UA"/>
+            <a:endParaRPr lang="uk-UA" dirty="0">
+              <a:latin typeface="Calibri" panose="020F0502020204030204" pitchFamily="34" charset="0"/>
+            </a:endParaRPr>
           </a:p>
         </p:txBody>
       </p:sp>
-      <mc:AlternateContent xmlns:mc="http://schemas.openxmlformats.org/markup-compatibility/2006" xmlns:a14="http://schemas.microsoft.com/office/drawing/2010/main">
-        <mc:Choice Requires="a14">
+      <mc:AlternateContent xmlns:mc="http://schemas.openxmlformats.org/markup-compatibility/2006">
+        <mc:Choice xmlns:a14="http://schemas.microsoft.com/office/drawing/2010/main" Requires="a14">
           <p:sp>
             <p:nvSpPr>
               <p:cNvPr id="12" name="Прямокутник 11">
@@ -7928,12 +7999,13 @@
                   <a:solidFill>
                     <a:srgbClr val="000000"/>
                   </a:solidFill>
+                  <a:latin typeface="Calibri" panose="020F0502020204030204" pitchFamily="34" charset="0"/>
                 </a:endParaRPr>
               </a:p>
             </p:txBody>
           </p:sp>
         </mc:Choice>
-        <mc:Fallback xmlns="">
+        <mc:Fallback>
           <p:sp>
             <p:nvSpPr>
               <p:cNvPr id="12" name="Прямокутник 11">
@@ -7968,7 +8040,7 @@
               <a:lstStyle/>
               <a:p>
                 <a:r>
-                  <a:rPr lang="uk-UA">
+                  <a:rPr lang="en-US">
                     <a:noFill/>
                   </a:rPr>
                   <a:t> </a:t>
@@ -8039,7 +8111,9 @@
                     <a:p>
                       <a:pPr algn="ctr"/>
                       <a:r>
-                        <a:rPr lang="uk-UA" sz="1400" dirty="0"/>
+                        <a:rPr lang="uk-UA" sz="1400" dirty="0">
+                          <a:latin typeface="Calibri" panose="020F0502020204030204" pitchFamily="34" charset="0"/>
+                        </a:rPr>
                         <a:t>Кореляція</a:t>
                       </a:r>
                     </a:p>
@@ -8053,7 +8127,9 @@
                     <a:p>
                       <a:pPr algn="ctr"/>
                       <a:r>
-                        <a:rPr lang="uk-UA" sz="1400" dirty="0"/>
+                        <a:rPr lang="uk-UA" sz="1400" dirty="0">
+                          <a:latin typeface="Calibri" panose="020F0502020204030204" pitchFamily="34" charset="0"/>
+                        </a:rPr>
                         <a:t>Негативна</a:t>
                       </a:r>
                     </a:p>
@@ -8067,7 +8143,9 @@
                     <a:p>
                       <a:pPr algn="ctr"/>
                       <a:r>
-                        <a:rPr lang="uk-UA" sz="1400" dirty="0"/>
+                        <a:rPr lang="uk-UA" sz="1400" dirty="0">
+                          <a:latin typeface="Calibri" panose="020F0502020204030204" pitchFamily="34" charset="0"/>
+                        </a:rPr>
                         <a:t>Позитивна</a:t>
                       </a:r>
                     </a:p>
@@ -8088,7 +8166,9 @@
                     <a:p>
                       <a:pPr algn="ctr"/>
                       <a:r>
-                        <a:rPr lang="uk-UA" sz="1400" dirty="0"/>
+                        <a:rPr lang="uk-UA" sz="1400" dirty="0">
+                          <a:latin typeface="Calibri" panose="020F0502020204030204" pitchFamily="34" charset="0"/>
+                        </a:rPr>
                         <a:t>Відсутня</a:t>
                       </a:r>
                     </a:p>
@@ -8102,7 +8182,9 @@
                     <a:p>
                       <a:pPr algn="ctr"/>
                       <a:r>
-                        <a:rPr lang="uk-UA" sz="1400" dirty="0"/>
+                        <a:rPr lang="uk-UA" sz="1400" dirty="0">
+                          <a:latin typeface="Calibri" panose="020F0502020204030204" pitchFamily="34" charset="0"/>
+                        </a:rPr>
                         <a:t>-0,09 до 0</a:t>
                       </a:r>
                     </a:p>
@@ -8116,7 +8198,9 @@
                     <a:p>
                       <a:pPr algn="ctr"/>
                       <a:r>
-                        <a:rPr lang="uk-UA" sz="1400" dirty="0"/>
+                        <a:rPr lang="uk-UA" sz="1400" dirty="0">
+                          <a:latin typeface="Calibri" panose="020F0502020204030204" pitchFamily="34" charset="0"/>
+                        </a:rPr>
                         <a:t>0 до 0,9</a:t>
                       </a:r>
                     </a:p>
@@ -8137,7 +8221,9 @@
                     <a:p>
                       <a:pPr algn="ctr"/>
                       <a:r>
-                        <a:rPr lang="uk-UA" sz="1400" dirty="0"/>
+                        <a:rPr lang="uk-UA" sz="1400" dirty="0">
+                          <a:latin typeface="Calibri" panose="020F0502020204030204" pitchFamily="34" charset="0"/>
+                        </a:rPr>
                         <a:t>Низька</a:t>
                       </a:r>
                     </a:p>
@@ -8151,7 +8237,9 @@
                     <a:p>
                       <a:pPr algn="ctr"/>
                       <a:r>
-                        <a:rPr lang="uk-UA" sz="1400" dirty="0"/>
+                        <a:rPr lang="uk-UA" sz="1400" dirty="0">
+                          <a:latin typeface="Calibri" panose="020F0502020204030204" pitchFamily="34" charset="0"/>
+                        </a:rPr>
                         <a:t>-0,3 до -0,1</a:t>
                       </a:r>
                     </a:p>
@@ -8165,7 +8253,9 @@
                     <a:p>
                       <a:pPr algn="ctr"/>
                       <a:r>
-                        <a:rPr lang="uk-UA" sz="1400" dirty="0"/>
+                        <a:rPr lang="uk-UA" sz="1400" dirty="0">
+                          <a:latin typeface="Calibri" panose="020F0502020204030204" pitchFamily="34" charset="0"/>
+                        </a:rPr>
                         <a:t>0,1 до 0,3</a:t>
                       </a:r>
                     </a:p>
@@ -8186,7 +8276,9 @@
                     <a:p>
                       <a:pPr algn="ctr"/>
                       <a:r>
-                        <a:rPr lang="uk-UA" sz="1400" dirty="0"/>
+                        <a:rPr lang="uk-UA" sz="1400" dirty="0">
+                          <a:latin typeface="Calibri" panose="020F0502020204030204" pitchFamily="34" charset="0"/>
+                        </a:rPr>
                         <a:t>Середня</a:t>
                       </a:r>
                     </a:p>
@@ -8200,7 +8292,9 @@
                     <a:p>
                       <a:pPr algn="ctr"/>
                       <a:r>
-                        <a:rPr lang="uk-UA" sz="1400" dirty="0"/>
+                        <a:rPr lang="uk-UA" sz="1400" dirty="0">
+                          <a:latin typeface="Calibri" panose="020F0502020204030204" pitchFamily="34" charset="0"/>
+                        </a:rPr>
                         <a:t>-0,5 до -0,3</a:t>
                       </a:r>
                     </a:p>
@@ -8214,7 +8308,9 @@
                     <a:p>
                       <a:pPr algn="ctr"/>
                       <a:r>
-                        <a:rPr lang="uk-UA" sz="1400" dirty="0"/>
+                        <a:rPr lang="uk-UA" sz="1400" dirty="0">
+                          <a:latin typeface="Calibri" panose="020F0502020204030204" pitchFamily="34" charset="0"/>
+                        </a:rPr>
                         <a:t>0,3 до 0,5</a:t>
                       </a:r>
                     </a:p>
@@ -8235,7 +8331,9 @@
                     <a:p>
                       <a:pPr algn="ctr"/>
                       <a:r>
-                        <a:rPr lang="uk-UA" sz="1400" dirty="0"/>
+                        <a:rPr lang="uk-UA" sz="1400" dirty="0">
+                          <a:latin typeface="Calibri" panose="020F0502020204030204" pitchFamily="34" charset="0"/>
+                        </a:rPr>
                         <a:t>Висока</a:t>
                       </a:r>
                     </a:p>
@@ -8249,7 +8347,9 @@
                     <a:p>
                       <a:pPr algn="ctr"/>
                       <a:r>
-                        <a:rPr lang="uk-UA" sz="1400" dirty="0"/>
+                        <a:rPr lang="uk-UA" sz="1400" dirty="0">
+                          <a:latin typeface="Calibri" panose="020F0502020204030204" pitchFamily="34" charset="0"/>
+                        </a:rPr>
                         <a:t>-1 до -0,5</a:t>
                       </a:r>
                     </a:p>
@@ -8263,7 +8363,9 @@
                     <a:p>
                       <a:pPr algn="ctr"/>
                       <a:r>
-                        <a:rPr lang="uk-UA" sz="1400" dirty="0"/>
+                        <a:rPr lang="uk-UA" sz="1400" dirty="0">
+                          <a:latin typeface="Calibri" panose="020F0502020204030204" pitchFamily="34" charset="0"/>
+                        </a:rPr>
                         <a:t>0,5 до 1</a:t>
                       </a:r>
                     </a:p>
@@ -8795,8 +8897,8 @@
           </a:p>
         </p:txBody>
       </p:sp>
-      <mc:AlternateContent xmlns:mc="http://schemas.openxmlformats.org/markup-compatibility/2006" xmlns:a14="http://schemas.microsoft.com/office/drawing/2010/main">
-        <mc:Choice Requires="a14">
+      <mc:AlternateContent xmlns:mc="http://schemas.openxmlformats.org/markup-compatibility/2006">
+        <mc:Choice xmlns:a14="http://schemas.microsoft.com/office/drawing/2010/main" Requires="a14">
           <p:sp>
             <p:nvSpPr>
               <p:cNvPr id="7" name="Місце для вмісту 1">
@@ -8994,33 +9096,47 @@
                   <a:buNone/>
                 </a:pPr>
                 <a:r>
-                  <a:rPr lang="en-US" sz="2400" b="1" dirty="0"/>
+                  <a:rPr lang="en-US" sz="2400" b="1" dirty="0">
+                    <a:latin typeface="Calibri" panose="020F0502020204030204" pitchFamily="34" charset="0"/>
+                  </a:rPr>
                   <a:t>R</a:t>
                 </a:r>
                 <a:r>
-                  <a:rPr lang="en-US" sz="2400" b="1" baseline="30000" dirty="0"/>
+                  <a:rPr lang="en-US" sz="2400" b="1" baseline="30000" dirty="0">
+                    <a:latin typeface="Calibri" panose="020F0502020204030204" pitchFamily="34" charset="0"/>
+                  </a:rPr>
                   <a:t>2</a:t>
                 </a:r>
                 <a:r>
-                  <a:rPr lang="en-US" sz="2400" b="1" dirty="0"/>
+                  <a:rPr lang="en-US" sz="2400" b="1" dirty="0">
+                    <a:latin typeface="Calibri" panose="020F0502020204030204" pitchFamily="34" charset="0"/>
+                  </a:rPr>
                   <a:t> (R-Squared) </a:t>
                 </a:r>
                 <a:r>
-                  <a:rPr lang="en-US" sz="2400" dirty="0"/>
+                  <a:rPr lang="en-US" sz="2400" dirty="0">
+                    <a:latin typeface="Calibri" panose="020F0502020204030204" pitchFamily="34" charset="0"/>
+                  </a:rPr>
                   <a:t>– </a:t>
                 </a:r>
                 <a:r>
-                  <a:rPr lang="uk-UA" sz="2400" dirty="0"/>
+                  <a:rPr lang="uk-UA" sz="2400" dirty="0">
+                    <a:latin typeface="Calibri" panose="020F0502020204030204" pitchFamily="34" charset="0"/>
+                  </a:rPr>
                   <a:t>коефіцієнт детермінації.</a:t>
                 </a:r>
-                <a:endParaRPr lang="en-US" sz="2400" dirty="0"/>
+                <a:endParaRPr lang="en-US" sz="2400" dirty="0">
+                  <a:latin typeface="Calibri" panose="020F0502020204030204" pitchFamily="34" charset="0"/>
+                </a:endParaRPr>
               </a:p>
               <a:p>
                 <a:pPr marL="0" indent="0">
                   <a:buFont typeface="Arial" panose="020B0604020202020204" pitchFamily="34" charset="0"/>
                   <a:buNone/>
                 </a:pPr>
-                <a:endParaRPr lang="en-US" sz="2400" dirty="0"/>
+                <a:endParaRPr lang="en-US" sz="2400" dirty="0">
+                  <a:latin typeface="Calibri" panose="020F0502020204030204" pitchFamily="34" charset="0"/>
+                </a:endParaRPr>
               </a:p>
               <a:p>
                 <a:pPr marL="0" indent="0">
@@ -9104,14 +9220,18 @@
                     </m:oMath>
                   </m:oMathPara>
                 </a14:m>
-                <a:endParaRPr lang="en-US" sz="2400" dirty="0"/>
+                <a:endParaRPr lang="en-US" sz="2400" dirty="0">
+                  <a:latin typeface="Calibri" panose="020F0502020204030204" pitchFamily="34" charset="0"/>
+                </a:endParaRPr>
               </a:p>
               <a:p>
                 <a:pPr marL="0" indent="0">
                   <a:buFont typeface="Arial" panose="020B0604020202020204" pitchFamily="34" charset="0"/>
                   <a:buNone/>
                 </a:pPr>
-                <a:endParaRPr lang="en-US" sz="2400" dirty="0"/>
+                <a:endParaRPr lang="en-US" sz="2400" dirty="0">
+                  <a:latin typeface="Calibri" panose="020F0502020204030204" pitchFamily="34" charset="0"/>
+                </a:endParaRPr>
               </a:p>
               <a:p>
                 <a:pPr marL="0" indent="0">
@@ -9182,60 +9302,82 @@
                     </m:oMath>
                   </m:oMathPara>
                 </a14:m>
-                <a:endParaRPr lang="en-US" sz="2400" dirty="0"/>
+                <a:endParaRPr lang="en-US" sz="2400" dirty="0">
+                  <a:latin typeface="Calibri" panose="020F0502020204030204" pitchFamily="34" charset="0"/>
+                </a:endParaRPr>
               </a:p>
               <a:p>
                 <a:pPr marL="0" indent="0">
                   <a:buNone/>
                 </a:pPr>
-                <a:endParaRPr lang="en-US" sz="2400" dirty="0"/>
+                <a:endParaRPr lang="en-US" sz="2400" dirty="0">
+                  <a:latin typeface="Calibri" panose="020F0502020204030204" pitchFamily="34" charset="0"/>
+                </a:endParaRPr>
               </a:p>
               <a:p>
                 <a:pPr marL="0" indent="0">
                   <a:buNone/>
                 </a:pPr>
                 <a:r>
-                  <a:rPr lang="uk-UA" sz="2400" b="1" dirty="0"/>
+                  <a:rPr lang="uk-UA" sz="2400" b="1" dirty="0">
+                    <a:latin typeface="Calibri" panose="020F0502020204030204" pitchFamily="34" charset="0"/>
+                  </a:rPr>
                   <a:t>Корегований </a:t>
                 </a:r>
                 <a:r>
-                  <a:rPr lang="en-US" sz="2400" b="1" dirty="0"/>
+                  <a:rPr lang="en-US" sz="2400" b="1" dirty="0">
+                    <a:latin typeface="Calibri" panose="020F0502020204030204" pitchFamily="34" charset="0"/>
+                  </a:rPr>
                   <a:t>R</a:t>
                 </a:r>
                 <a:r>
-                  <a:rPr lang="en-US" sz="2400" b="1" baseline="30000" dirty="0"/>
+                  <a:rPr lang="en-US" sz="2400" b="1" baseline="30000" dirty="0">
+                    <a:latin typeface="Calibri" panose="020F0502020204030204" pitchFamily="34" charset="0"/>
+                  </a:rPr>
                   <a:t>2</a:t>
                 </a:r>
                 <a:r>
-                  <a:rPr lang="en-US" sz="2400" b="1" dirty="0"/>
+                  <a:rPr lang="en-US" sz="2400" b="1" dirty="0">
+                    <a:latin typeface="Calibri" panose="020F0502020204030204" pitchFamily="34" charset="0"/>
+                  </a:rPr>
                   <a:t> </a:t>
                 </a:r>
                 <a:r>
-                  <a:rPr lang="en-US" sz="2400" dirty="0"/>
+                  <a:rPr lang="en-US" sz="2400" dirty="0">
+                    <a:latin typeface="Calibri" panose="020F0502020204030204" pitchFamily="34" charset="0"/>
+                  </a:rPr>
                   <a:t>(Adj R-Squared) – </a:t>
                 </a:r>
                 <a:r>
-                  <a:rPr lang="uk-UA" sz="2400" dirty="0"/>
+                  <a:rPr lang="uk-UA" sz="2400" dirty="0">
+                    <a:latin typeface="Calibri" panose="020F0502020204030204" pitchFamily="34" charset="0"/>
+                  </a:rPr>
                   <a:t>враховує кількість спостережень та факторів моделі.</a:t>
                 </a:r>
-                <a:endParaRPr lang="en-US" sz="2400" dirty="0"/>
+                <a:endParaRPr lang="en-US" sz="2400" dirty="0">
+                  <a:latin typeface="Calibri" panose="020F0502020204030204" pitchFamily="34" charset="0"/>
+                </a:endParaRPr>
               </a:p>
               <a:p>
                 <a:pPr marL="0" indent="0">
                   <a:buNone/>
                 </a:pPr>
-                <a:endParaRPr lang="en-US" sz="2400" dirty="0"/>
+                <a:endParaRPr lang="en-US" sz="2400" dirty="0">
+                  <a:latin typeface="Calibri" panose="020F0502020204030204" pitchFamily="34" charset="0"/>
+                </a:endParaRPr>
               </a:p>
               <a:p>
                 <a:pPr marL="0" indent="0">
                   <a:buNone/>
                 </a:pPr>
-                <a:endParaRPr lang="en-US" sz="2400" dirty="0"/>
+                <a:endParaRPr lang="en-US" sz="2400" dirty="0">
+                  <a:latin typeface="Calibri" panose="020F0502020204030204" pitchFamily="34" charset="0"/>
+                </a:endParaRPr>
               </a:p>
             </p:txBody>
           </p:sp>
         </mc:Choice>
-        <mc:Fallback xmlns="">
+        <mc:Fallback>
           <p:sp>
             <p:nvSpPr>
               <p:cNvPr id="7" name="Місце для вмісту 1">
@@ -9261,7 +9403,7 @@
               <a:blipFill>
                 <a:blip r:embed="rId4"/>
                 <a:stretch>
-                  <a:fillRect l="-1856" t="-1821"/>
+                  <a:fillRect l="-1856" t="-1961"/>
                 </a:stretch>
               </a:blipFill>
             </p:spPr>
@@ -9270,7 +9412,7 @@
               <a:lstStyle/>
               <a:p>
                 <a:r>
-                  <a:rPr lang="uk-UA">
+                  <a:rPr lang="en-US">
                     <a:noFill/>
                   </a:rPr>
                   <a:t> </a:t>
@@ -9798,7 +9940,9 @@
                     <a:p>
                       <a:pPr algn="ctr"/>
                       <a:r>
-                        <a:rPr lang="uk-UA" sz="1400" dirty="0"/>
+                        <a:rPr lang="uk-UA" sz="1400" dirty="0">
+                          <a:latin typeface="Calibri" panose="020F0502020204030204" pitchFamily="34" charset="0"/>
+                        </a:rPr>
                         <a:t>№</a:t>
                       </a:r>
                     </a:p>
@@ -9812,7 +9956,9 @@
                     <a:p>
                       <a:pPr algn="ctr"/>
                       <a:r>
-                        <a:rPr lang="en-US" sz="1400" dirty="0"/>
+                        <a:rPr lang="en-US" sz="1400" dirty="0">
+                          <a:latin typeface="Calibri" panose="020F0502020204030204" pitchFamily="34" charset="0"/>
+                        </a:rPr>
                         <a:t>Real (Y)</a:t>
                       </a:r>
                       <a:endParaRPr lang="uk-UA" sz="1400" dirty="0"/>
@@ -9827,7 +9973,9 @@
                     <a:p>
                       <a:pPr algn="ctr"/>
                       <a:r>
-                        <a:rPr lang="en-US" sz="1400" dirty="0"/>
+                        <a:rPr lang="en-US" sz="1400" dirty="0">
+                          <a:latin typeface="Calibri" panose="020F0502020204030204" pitchFamily="34" charset="0"/>
+                        </a:rPr>
                         <a:t>Predicted (</a:t>
                       </a:r>
                       <a:r>
@@ -9850,7 +9998,9 @@
                     <a:p>
                       <a:pPr algn="ctr"/>
                       <a:r>
-                        <a:rPr lang="en-US" sz="1400" dirty="0"/>
+                        <a:rPr lang="en-US" sz="1400" dirty="0">
+                          <a:latin typeface="Calibri" panose="020F0502020204030204" pitchFamily="34" charset="0"/>
+                        </a:rPr>
                         <a:t>Y - </a:t>
                       </a:r>
                       <a:r>
@@ -9869,7 +10019,9 @@
                     <a:p>
                       <a:pPr algn="ctr"/>
                       <a:r>
-                        <a:rPr lang="en-US" sz="1400" dirty="0"/>
+                        <a:rPr lang="en-US" sz="1400" dirty="0">
+                          <a:latin typeface="Calibri" panose="020F0502020204030204" pitchFamily="34" charset="0"/>
+                        </a:rPr>
                         <a:t>(Y - </a:t>
                       </a:r>
                       <a:r>
@@ -9903,7 +10055,9 @@
                     <a:p>
                       <a:pPr algn="ctr"/>
                       <a:r>
-                        <a:rPr lang="en-US" sz="1400" dirty="0"/>
+                        <a:rPr lang="en-US" sz="1400" dirty="0">
+                          <a:latin typeface="Calibri" panose="020F0502020204030204" pitchFamily="34" charset="0"/>
+                        </a:rPr>
                         <a:t>1</a:t>
                       </a:r>
                       <a:endParaRPr lang="uk-UA" sz="1400" dirty="0"/>
@@ -9918,7 +10072,9 @@
                     <a:p>
                       <a:pPr algn="ctr"/>
                       <a:r>
-                        <a:rPr lang="en-US" sz="1400" dirty="0"/>
+                        <a:rPr lang="en-US" sz="1400" dirty="0">
+                          <a:latin typeface="Calibri" panose="020F0502020204030204" pitchFamily="34" charset="0"/>
+                        </a:rPr>
                         <a:t>8</a:t>
                       </a:r>
                       <a:endParaRPr lang="uk-UA" sz="1400" dirty="0"/>
@@ -9933,7 +10089,9 @@
                     <a:p>
                       <a:pPr algn="ctr"/>
                       <a:r>
-                        <a:rPr lang="en-US" sz="1400" dirty="0"/>
+                        <a:rPr lang="en-US" sz="1400" dirty="0">
+                          <a:latin typeface="Calibri" panose="020F0502020204030204" pitchFamily="34" charset="0"/>
+                        </a:rPr>
                         <a:t>7</a:t>
                       </a:r>
                       <a:endParaRPr lang="uk-UA" sz="1400" dirty="0"/>
@@ -9948,7 +10106,9 @@
                     <a:p>
                       <a:pPr algn="ctr"/>
                       <a:r>
-                        <a:rPr lang="en-US" sz="1400" dirty="0"/>
+                        <a:rPr lang="en-US" sz="1400" dirty="0">
+                          <a:latin typeface="Calibri" panose="020F0502020204030204" pitchFamily="34" charset="0"/>
+                        </a:rPr>
                         <a:t>1</a:t>
                       </a:r>
                       <a:endParaRPr lang="uk-UA" sz="1400" dirty="0"/>
@@ -9963,7 +10123,9 @@
                     <a:p>
                       <a:pPr algn="ctr"/>
                       <a:r>
-                        <a:rPr lang="en-US" sz="1400" dirty="0"/>
+                        <a:rPr lang="en-US" sz="1400" dirty="0">
+                          <a:latin typeface="Calibri" panose="020F0502020204030204" pitchFamily="34" charset="0"/>
+                        </a:rPr>
                         <a:t>1</a:t>
                       </a:r>
                       <a:endParaRPr lang="uk-UA" sz="1400" dirty="0"/>
@@ -9985,7 +10147,9 @@
                     <a:p>
                       <a:pPr algn="ctr"/>
                       <a:r>
-                        <a:rPr lang="en-US" sz="1400" dirty="0"/>
+                        <a:rPr lang="en-US" sz="1400" dirty="0">
+                          <a:latin typeface="Calibri" panose="020F0502020204030204" pitchFamily="34" charset="0"/>
+                        </a:rPr>
                         <a:t>2</a:t>
                       </a:r>
                       <a:endParaRPr lang="uk-UA" sz="1400" dirty="0"/>
@@ -10000,7 +10164,9 @@
                     <a:p>
                       <a:pPr algn="ctr"/>
                       <a:r>
-                        <a:rPr lang="en-US" sz="1400" dirty="0"/>
+                        <a:rPr lang="en-US" sz="1400" dirty="0">
+                          <a:latin typeface="Calibri" panose="020F0502020204030204" pitchFamily="34" charset="0"/>
+                        </a:rPr>
                         <a:t>14</a:t>
                       </a:r>
                       <a:endParaRPr lang="uk-UA" sz="1400" dirty="0"/>
@@ -10015,7 +10181,9 @@
                     <a:p>
                       <a:pPr algn="ctr"/>
                       <a:r>
-                        <a:rPr lang="en-US" sz="1400" dirty="0"/>
+                        <a:rPr lang="en-US" sz="1400" dirty="0">
+                          <a:latin typeface="Calibri" panose="020F0502020204030204" pitchFamily="34" charset="0"/>
+                        </a:rPr>
                         <a:t>9</a:t>
                       </a:r>
                       <a:endParaRPr lang="uk-UA" sz="1400" dirty="0"/>
@@ -10030,7 +10198,9 @@
                     <a:p>
                       <a:pPr algn="ctr"/>
                       <a:r>
-                        <a:rPr lang="en-US" sz="1400" dirty="0"/>
+                        <a:rPr lang="en-US" sz="1400" dirty="0">
+                          <a:latin typeface="Calibri" panose="020F0502020204030204" pitchFamily="34" charset="0"/>
+                        </a:rPr>
                         <a:t>5</a:t>
                       </a:r>
                       <a:endParaRPr lang="uk-UA" sz="1400" dirty="0"/>
@@ -10045,7 +10215,9 @@
                     <a:p>
                       <a:pPr algn="ctr"/>
                       <a:r>
-                        <a:rPr lang="en-US" sz="1400" dirty="0"/>
+                        <a:rPr lang="en-US" sz="1400" dirty="0">
+                          <a:latin typeface="Calibri" panose="020F0502020204030204" pitchFamily="34" charset="0"/>
+                        </a:rPr>
                         <a:t>25</a:t>
                       </a:r>
                       <a:endParaRPr lang="uk-UA" sz="1400" dirty="0"/>
@@ -10067,7 +10239,9 @@
                     <a:p>
                       <a:pPr algn="ctr"/>
                       <a:r>
-                        <a:rPr lang="en-US" sz="1400" dirty="0"/>
+                        <a:rPr lang="en-US" sz="1400" dirty="0">
+                          <a:latin typeface="Calibri" panose="020F0502020204030204" pitchFamily="34" charset="0"/>
+                        </a:rPr>
                         <a:t>3</a:t>
                       </a:r>
                       <a:endParaRPr lang="uk-UA" sz="1400" dirty="0"/>
@@ -10082,7 +10256,9 @@
                     <a:p>
                       <a:pPr algn="ctr"/>
                       <a:r>
-                        <a:rPr lang="en-US" sz="1400" dirty="0"/>
+                        <a:rPr lang="en-US" sz="1400" dirty="0">
+                          <a:latin typeface="Calibri" panose="020F0502020204030204" pitchFamily="34" charset="0"/>
+                        </a:rPr>
                         <a:t>12</a:t>
                       </a:r>
                       <a:endParaRPr lang="uk-UA" sz="1400" dirty="0"/>
@@ -10097,7 +10273,9 @@
                     <a:p>
                       <a:pPr algn="ctr"/>
                       <a:r>
-                        <a:rPr lang="en-US" sz="1400" dirty="0"/>
+                        <a:rPr lang="en-US" sz="1400" dirty="0">
+                          <a:latin typeface="Calibri" panose="020F0502020204030204" pitchFamily="34" charset="0"/>
+                        </a:rPr>
                         <a:t>12</a:t>
                       </a:r>
                       <a:endParaRPr lang="uk-UA" sz="1400" dirty="0"/>
@@ -10112,7 +10290,9 @@
                     <a:p>
                       <a:pPr algn="ctr"/>
                       <a:r>
-                        <a:rPr lang="en-US" sz="1400" dirty="0"/>
+                        <a:rPr lang="en-US" sz="1400" dirty="0">
+                          <a:latin typeface="Calibri" panose="020F0502020204030204" pitchFamily="34" charset="0"/>
+                        </a:rPr>
                         <a:t>0</a:t>
                       </a:r>
                       <a:endParaRPr lang="uk-UA" sz="1400" dirty="0"/>
@@ -10127,7 +10307,9 @@
                     <a:p>
                       <a:pPr algn="ctr"/>
                       <a:r>
-                        <a:rPr lang="en-US" sz="1400" dirty="0"/>
+                        <a:rPr lang="en-US" sz="1400" dirty="0">
+                          <a:latin typeface="Calibri" panose="020F0502020204030204" pitchFamily="34" charset="0"/>
+                        </a:rPr>
                         <a:t>0</a:t>
                       </a:r>
                       <a:endParaRPr lang="uk-UA" sz="1400" dirty="0"/>
@@ -10149,7 +10331,9 @@
                     <a:p>
                       <a:pPr algn="ctr"/>
                       <a:r>
-                        <a:rPr lang="en-US" sz="1400" dirty="0"/>
+                        <a:rPr lang="en-US" sz="1400" dirty="0">
+                          <a:latin typeface="Calibri" panose="020F0502020204030204" pitchFamily="34" charset="0"/>
+                        </a:rPr>
                         <a:t>4</a:t>
                       </a:r>
                       <a:endParaRPr lang="uk-UA" sz="1400" dirty="0"/>
@@ -10164,7 +10348,9 @@
                     <a:p>
                       <a:pPr algn="ctr"/>
                       <a:r>
-                        <a:rPr lang="en-US" sz="1400" dirty="0"/>
+                        <a:rPr lang="en-US" sz="1400" dirty="0">
+                          <a:latin typeface="Calibri" panose="020F0502020204030204" pitchFamily="34" charset="0"/>
+                        </a:rPr>
                         <a:t>14</a:t>
                       </a:r>
                       <a:endParaRPr lang="uk-UA" sz="1400" dirty="0"/>
@@ -10179,7 +10365,9 @@
                     <a:p>
                       <a:pPr algn="ctr"/>
                       <a:r>
-                        <a:rPr lang="en-US" sz="1400" dirty="0"/>
+                        <a:rPr lang="en-US" sz="1400" dirty="0">
+                          <a:latin typeface="Calibri" panose="020F0502020204030204" pitchFamily="34" charset="0"/>
+                        </a:rPr>
                         <a:t>13</a:t>
                       </a:r>
                       <a:endParaRPr lang="uk-UA" sz="1400" dirty="0"/>
@@ -10194,7 +10382,9 @@
                     <a:p>
                       <a:pPr algn="ctr"/>
                       <a:r>
-                        <a:rPr lang="en-US" sz="1400" dirty="0"/>
+                        <a:rPr lang="en-US" sz="1400" dirty="0">
+                          <a:latin typeface="Calibri" panose="020F0502020204030204" pitchFamily="34" charset="0"/>
+                        </a:rPr>
                         <a:t>1</a:t>
                       </a:r>
                       <a:endParaRPr lang="uk-UA" sz="1400" dirty="0"/>
@@ -10209,7 +10399,9 @@
                     <a:p>
                       <a:pPr algn="ctr"/>
                       <a:r>
-                        <a:rPr lang="en-US" sz="1400" dirty="0"/>
+                        <a:rPr lang="en-US" sz="1400" dirty="0">
+                          <a:latin typeface="Calibri" panose="020F0502020204030204" pitchFamily="34" charset="0"/>
+                        </a:rPr>
                         <a:t>1</a:t>
                       </a:r>
                       <a:endParaRPr lang="uk-UA" sz="1400" dirty="0"/>
@@ -10231,7 +10423,9 @@
                     <a:p>
                       <a:pPr algn="ctr"/>
                       <a:r>
-                        <a:rPr lang="en-US" sz="1400" dirty="0"/>
+                        <a:rPr lang="en-US" sz="1400" dirty="0">
+                          <a:latin typeface="Calibri" panose="020F0502020204030204" pitchFamily="34" charset="0"/>
+                        </a:rPr>
                         <a:t>5</a:t>
                       </a:r>
                       <a:endParaRPr lang="uk-UA" sz="1400" dirty="0"/>
@@ -10246,7 +10440,9 @@
                     <a:p>
                       <a:pPr algn="ctr"/>
                       <a:r>
-                        <a:rPr lang="en-US" sz="1400" dirty="0"/>
+                        <a:rPr lang="en-US" sz="1400" dirty="0">
+                          <a:latin typeface="Calibri" panose="020F0502020204030204" pitchFamily="34" charset="0"/>
+                        </a:rPr>
                         <a:t>7</a:t>
                       </a:r>
                       <a:endParaRPr lang="uk-UA" sz="1400" dirty="0"/>
@@ -10261,7 +10457,9 @@
                     <a:p>
                       <a:pPr algn="ctr"/>
                       <a:r>
-                        <a:rPr lang="en-US" sz="1400" dirty="0"/>
+                        <a:rPr lang="en-US" sz="1400" dirty="0">
+                          <a:latin typeface="Calibri" panose="020F0502020204030204" pitchFamily="34" charset="0"/>
+                        </a:rPr>
                         <a:t>9</a:t>
                       </a:r>
                       <a:endParaRPr lang="uk-UA" sz="1400" dirty="0"/>
@@ -10276,7 +10474,9 @@
                     <a:p>
                       <a:pPr algn="ctr"/>
                       <a:r>
-                        <a:rPr lang="en-US" sz="1400" dirty="0"/>
+                        <a:rPr lang="en-US" sz="1400" dirty="0">
+                          <a:latin typeface="Calibri" panose="020F0502020204030204" pitchFamily="34" charset="0"/>
+                        </a:rPr>
                         <a:t>-2</a:t>
                       </a:r>
                       <a:endParaRPr lang="uk-UA" sz="1400" dirty="0"/>
@@ -10291,7 +10491,9 @@
                     <a:p>
                       <a:pPr algn="ctr"/>
                       <a:r>
-                        <a:rPr lang="en-US" sz="1400" dirty="0"/>
+                        <a:rPr lang="en-US" sz="1400" dirty="0">
+                          <a:latin typeface="Calibri" panose="020F0502020204030204" pitchFamily="34" charset="0"/>
+                        </a:rPr>
                         <a:t>4</a:t>
                       </a:r>
                       <a:endParaRPr lang="uk-UA" sz="1400" dirty="0"/>
@@ -10313,7 +10515,9 @@
                     <a:p>
                       <a:pPr algn="ctr"/>
                       <a:r>
-                        <a:rPr lang="en-US" sz="1400" dirty="0"/>
+                        <a:rPr lang="en-US" sz="1400" dirty="0">
+                          <a:latin typeface="Calibri" panose="020F0502020204030204" pitchFamily="34" charset="0"/>
+                        </a:rPr>
                         <a:t>6</a:t>
                       </a:r>
                       <a:endParaRPr lang="uk-UA" sz="1400" dirty="0"/>
@@ -10328,7 +10532,9 @@
                     <a:p>
                       <a:pPr algn="ctr"/>
                       <a:r>
-                        <a:rPr lang="en-US" sz="1400" dirty="0"/>
+                        <a:rPr lang="en-US" sz="1400" dirty="0">
+                          <a:latin typeface="Calibri" panose="020F0502020204030204" pitchFamily="34" charset="0"/>
+                        </a:rPr>
                         <a:t>11</a:t>
                       </a:r>
                       <a:endParaRPr lang="uk-UA" sz="1400" dirty="0"/>
@@ -10343,7 +10549,9 @@
                     <a:p>
                       <a:pPr algn="ctr"/>
                       <a:r>
-                        <a:rPr lang="en-US" sz="1400" dirty="0"/>
+                        <a:rPr lang="en-US" sz="1400" dirty="0">
+                          <a:latin typeface="Calibri" panose="020F0502020204030204" pitchFamily="34" charset="0"/>
+                        </a:rPr>
                         <a:t>14</a:t>
                       </a:r>
                       <a:endParaRPr lang="uk-UA" sz="1400" dirty="0"/>
@@ -10358,7 +10566,9 @@
                     <a:p>
                       <a:pPr algn="ctr"/>
                       <a:r>
-                        <a:rPr lang="en-US" sz="1400" dirty="0"/>
+                        <a:rPr lang="en-US" sz="1400" dirty="0">
+                          <a:latin typeface="Calibri" panose="020F0502020204030204" pitchFamily="34" charset="0"/>
+                        </a:rPr>
                         <a:t>-3</a:t>
                       </a:r>
                       <a:endParaRPr lang="uk-UA" sz="1400" dirty="0"/>
@@ -10373,7 +10583,9 @@
                     <a:p>
                       <a:pPr algn="ctr"/>
                       <a:r>
-                        <a:rPr lang="en-US" sz="1400" dirty="0"/>
+                        <a:rPr lang="en-US" sz="1400" dirty="0">
+                          <a:latin typeface="Calibri" panose="020F0502020204030204" pitchFamily="34" charset="0"/>
+                        </a:rPr>
                         <a:t>9</a:t>
                       </a:r>
                       <a:endParaRPr lang="uk-UA" sz="1400" dirty="0"/>
@@ -10394,7 +10606,9 @@
                     <a:lstStyle/>
                     <a:p>
                       <a:pPr algn="ctr"/>
-                      <a:endParaRPr lang="uk-UA" sz="1400" dirty="0"/>
+                      <a:endParaRPr lang="uk-UA" sz="1400" dirty="0">
+                        <a:latin typeface="Calibri" panose="020F0502020204030204" pitchFamily="34" charset="0"/>
+                      </a:endParaRPr>
                     </a:p>
                   </a:txBody>
                   <a:tcPr anchor="ctr"/>
@@ -10406,7 +10620,9 @@
                     <a:p>
                       <a:pPr algn="r"/>
                       <a:r>
-                        <a:rPr lang="en-US" sz="1400" dirty="0"/>
+                        <a:rPr lang="en-US" sz="1400" dirty="0">
+                          <a:latin typeface="Calibri" panose="020F0502020204030204" pitchFamily="34" charset="0"/>
+                        </a:rPr>
                         <a:t>SUM</a:t>
                       </a:r>
                       <a:endParaRPr lang="uk-UA" sz="1400" dirty="0"/>
@@ -10443,7 +10659,9 @@
                     <a:p>
                       <a:pPr algn="ctr"/>
                       <a:r>
-                        <a:rPr lang="en-US" sz="1400" dirty="0"/>
+                        <a:rPr lang="en-US" sz="1400" dirty="0">
+                          <a:latin typeface="Calibri" panose="020F0502020204030204" pitchFamily="34" charset="0"/>
+                        </a:rPr>
                         <a:t>40</a:t>
                       </a:r>
                       <a:endParaRPr lang="uk-UA" sz="1400" dirty="0"/>
@@ -10464,7 +10682,9 @@
                     <a:lstStyle/>
                     <a:p>
                       <a:pPr algn="ctr"/>
-                      <a:endParaRPr lang="uk-UA" sz="1400" dirty="0"/>
+                      <a:endParaRPr lang="uk-UA" sz="1400" dirty="0">
+                        <a:latin typeface="Calibri" panose="020F0502020204030204" pitchFamily="34" charset="0"/>
+                      </a:endParaRPr>
                     </a:p>
                   </a:txBody>
                   <a:tcPr anchor="ctr"/>
@@ -10476,7 +10696,9 @@
                     <a:p>
                       <a:pPr algn="r"/>
                       <a:r>
-                        <a:rPr lang="en-US" sz="1400" dirty="0"/>
+                        <a:rPr lang="en-US" sz="1400" dirty="0">
+                          <a:latin typeface="Calibri" panose="020F0502020204030204" pitchFamily="34" charset="0"/>
+                        </a:rPr>
                         <a:t>MSE = SUM/N</a:t>
                       </a:r>
                       <a:endParaRPr lang="uk-UA" sz="1400" dirty="0"/>
@@ -10527,7 +10749,9 @@
                         <a:defRPr/>
                       </a:pPr>
                       <a:r>
-                        <a:rPr lang="en-US" sz="1400" dirty="0"/>
+                        <a:rPr lang="en-US" sz="1400" dirty="0">
+                          <a:latin typeface="Calibri" panose="020F0502020204030204" pitchFamily="34" charset="0"/>
+                        </a:rPr>
                         <a:t>6,67</a:t>
                       </a:r>
                       <a:endParaRPr lang="uk-UA" sz="1400" dirty="0"/>
@@ -10742,34 +10966,50 @@
               <a:buNone/>
             </a:pPr>
             <a:r>
-              <a:rPr lang="ru-RU" sz="2400" dirty="0" err="1"/>
+              <a:rPr lang="ru-RU" sz="2400" dirty="0" err="1">
+                <a:latin typeface="Calibri" panose="020F0502020204030204" pitchFamily="34" charset="0"/>
+              </a:rPr>
               <a:t>Чи</a:t>
             </a:r>
             <a:r>
-              <a:rPr lang="ru-RU" sz="2400" dirty="0"/>
+              <a:rPr lang="ru-RU" sz="2400" dirty="0">
+                <a:latin typeface="Calibri" panose="020F0502020204030204" pitchFamily="34" charset="0"/>
+              </a:rPr>
               <a:t> </a:t>
             </a:r>
             <a:r>
-              <a:rPr lang="ru-RU" sz="2400" dirty="0" err="1"/>
+              <a:rPr lang="ru-RU" sz="2400" dirty="0" err="1">
+                <a:latin typeface="Calibri" panose="020F0502020204030204" pitchFamily="34" charset="0"/>
+              </a:rPr>
               <a:t>менше</a:t>
             </a:r>
             <a:r>
-              <a:rPr lang="ru-RU" sz="2400" dirty="0"/>
+              <a:rPr lang="ru-RU" sz="2400" dirty="0">
+                <a:latin typeface="Calibri" panose="020F0502020204030204" pitchFamily="34" charset="0"/>
+              </a:rPr>
               <a:t> в</a:t>
             </a:r>
             <a:r>
-              <a:rPr lang="uk-UA" sz="2400" dirty="0" err="1"/>
+              <a:rPr lang="uk-UA" sz="2400" dirty="0" err="1">
+                <a:latin typeface="Calibri" panose="020F0502020204030204" pitchFamily="34" charset="0"/>
+              </a:rPr>
               <a:t>ідхилення</a:t>
             </a:r>
             <a:r>
-              <a:rPr lang="uk-UA" sz="2400" dirty="0"/>
+              <a:rPr lang="uk-UA" sz="2400" dirty="0">
+                <a:latin typeface="Calibri" panose="020F0502020204030204" pitchFamily="34" charset="0"/>
+              </a:rPr>
               <a:t>, </a:t>
             </a:r>
             <a:br>
-              <a:rPr lang="uk-UA" sz="2400" dirty="0"/>
+              <a:rPr lang="uk-UA" sz="2400" dirty="0">
+                <a:latin typeface="Calibri" panose="020F0502020204030204" pitchFamily="34" charset="0"/>
+              </a:rPr>
             </a:br>
             <a:r>
-              <a:rPr lang="uk-UA" sz="2400" dirty="0"/>
+              <a:rPr lang="uk-UA" sz="2400" dirty="0">
+                <a:latin typeface="Calibri" panose="020F0502020204030204" pitchFamily="34" charset="0"/>
+              </a:rPr>
               <a:t>тим краща модель</a:t>
             </a:r>
           </a:p>
@@ -11209,9 +11449,7 @@
           <p:cNvGraphicFramePr>
             <a:graphicFrameLocks noGrp="1"/>
           </p:cNvGraphicFramePr>
-          <p:nvPr>
-            <p:extLst/>
-          </p:nvPr>
+          <p:nvPr/>
         </p:nvGraphicFramePr>
         <p:xfrm>
           <a:off x="7153275" y="1971675"/>
@@ -11268,7 +11506,9 @@
                     <a:p>
                       <a:pPr algn="ctr"/>
                       <a:r>
-                        <a:rPr lang="uk-UA" sz="1400" dirty="0"/>
+                        <a:rPr lang="uk-UA" sz="1400" dirty="0">
+                          <a:latin typeface="Calibri" panose="020F0502020204030204" pitchFamily="34" charset="0"/>
+                        </a:rPr>
                         <a:t>№</a:t>
                       </a:r>
                     </a:p>
@@ -11282,7 +11522,9 @@
                     <a:p>
                       <a:pPr algn="ctr"/>
                       <a:r>
-                        <a:rPr lang="en-US" sz="1400" dirty="0"/>
+                        <a:rPr lang="en-US" sz="1400" dirty="0">
+                          <a:latin typeface="Calibri" panose="020F0502020204030204" pitchFamily="34" charset="0"/>
+                        </a:rPr>
                         <a:t>Real (Y)</a:t>
                       </a:r>
                       <a:endParaRPr lang="uk-UA" sz="1400" dirty="0"/>
@@ -11297,7 +11539,9 @@
                     <a:p>
                       <a:pPr algn="ctr"/>
                       <a:r>
-                        <a:rPr lang="en-US" sz="1400" dirty="0"/>
+                        <a:rPr lang="en-US" sz="1400" dirty="0">
+                          <a:latin typeface="Calibri" panose="020F0502020204030204" pitchFamily="34" charset="0"/>
+                        </a:rPr>
                         <a:t>Predicted (</a:t>
                       </a:r>
                       <a:r>
@@ -11320,7 +11564,9 @@
                     <a:p>
                       <a:pPr algn="ctr"/>
                       <a:r>
-                        <a:rPr lang="en-US" sz="1400" dirty="0"/>
+                        <a:rPr lang="en-US" sz="1400" dirty="0">
+                          <a:latin typeface="Calibri" panose="020F0502020204030204" pitchFamily="34" charset="0"/>
+                        </a:rPr>
                         <a:t>Y - </a:t>
                       </a:r>
                       <a:r>
@@ -11339,7 +11585,9 @@
                     <a:p>
                       <a:pPr algn="ctr"/>
                       <a:r>
-                        <a:rPr lang="en-US" sz="1400" dirty="0"/>
+                        <a:rPr lang="en-US" sz="1400" dirty="0">
+                          <a:latin typeface="Calibri" panose="020F0502020204030204" pitchFamily="34" charset="0"/>
+                        </a:rPr>
                         <a:t>(Y - </a:t>
                       </a:r>
                       <a:r>
@@ -11373,7 +11621,9 @@
                     <a:p>
                       <a:pPr algn="ctr"/>
                       <a:r>
-                        <a:rPr lang="en-US" sz="1400" dirty="0"/>
+                        <a:rPr lang="en-US" sz="1400" dirty="0">
+                          <a:latin typeface="Calibri" panose="020F0502020204030204" pitchFamily="34" charset="0"/>
+                        </a:rPr>
                         <a:t>1</a:t>
                       </a:r>
                       <a:endParaRPr lang="uk-UA" sz="1400" dirty="0"/>
@@ -11388,7 +11638,9 @@
                     <a:p>
                       <a:pPr algn="ctr"/>
                       <a:r>
-                        <a:rPr lang="en-US" sz="1400" dirty="0"/>
+                        <a:rPr lang="en-US" sz="1400" dirty="0">
+                          <a:latin typeface="Calibri" panose="020F0502020204030204" pitchFamily="34" charset="0"/>
+                        </a:rPr>
                         <a:t>8</a:t>
                       </a:r>
                       <a:endParaRPr lang="uk-UA" sz="1400" dirty="0"/>
@@ -11403,7 +11655,9 @@
                     <a:p>
                       <a:pPr algn="ctr"/>
                       <a:r>
-                        <a:rPr lang="en-US" sz="1400" dirty="0"/>
+                        <a:rPr lang="en-US" sz="1400" dirty="0">
+                          <a:latin typeface="Calibri" panose="020F0502020204030204" pitchFamily="34" charset="0"/>
+                        </a:rPr>
                         <a:t>7</a:t>
                       </a:r>
                       <a:endParaRPr lang="uk-UA" sz="1400" dirty="0"/>
@@ -11418,7 +11672,9 @@
                     <a:p>
                       <a:pPr algn="ctr"/>
                       <a:r>
-                        <a:rPr lang="en-US" sz="1400" dirty="0"/>
+                        <a:rPr lang="en-US" sz="1400" dirty="0">
+                          <a:latin typeface="Calibri" panose="020F0502020204030204" pitchFamily="34" charset="0"/>
+                        </a:rPr>
                         <a:t>1</a:t>
                       </a:r>
                       <a:endParaRPr lang="uk-UA" sz="1400" dirty="0"/>
@@ -11433,7 +11689,9 @@
                     <a:p>
                       <a:pPr algn="ctr"/>
                       <a:r>
-                        <a:rPr lang="en-US" sz="1400" dirty="0"/>
+                        <a:rPr lang="en-US" sz="1400" dirty="0">
+                          <a:latin typeface="Calibri" panose="020F0502020204030204" pitchFamily="34" charset="0"/>
+                        </a:rPr>
                         <a:t>1</a:t>
                       </a:r>
                       <a:endParaRPr lang="uk-UA" sz="1400" dirty="0"/>
@@ -11455,7 +11713,9 @@
                     <a:p>
                       <a:pPr algn="ctr"/>
                       <a:r>
-                        <a:rPr lang="en-US" sz="1400" dirty="0"/>
+                        <a:rPr lang="en-US" sz="1400" dirty="0">
+                          <a:latin typeface="Calibri" panose="020F0502020204030204" pitchFamily="34" charset="0"/>
+                        </a:rPr>
                         <a:t>2</a:t>
                       </a:r>
                       <a:endParaRPr lang="uk-UA" sz="1400" dirty="0"/>
@@ -11470,7 +11730,9 @@
                     <a:p>
                       <a:pPr algn="ctr"/>
                       <a:r>
-                        <a:rPr lang="en-US" sz="1400" dirty="0"/>
+                        <a:rPr lang="en-US" sz="1400" dirty="0">
+                          <a:latin typeface="Calibri" panose="020F0502020204030204" pitchFamily="34" charset="0"/>
+                        </a:rPr>
                         <a:t>14</a:t>
                       </a:r>
                       <a:endParaRPr lang="uk-UA" sz="1400" dirty="0"/>
@@ -11485,7 +11747,9 @@
                     <a:p>
                       <a:pPr algn="ctr"/>
                       <a:r>
-                        <a:rPr lang="en-US" sz="1400" dirty="0"/>
+                        <a:rPr lang="en-US" sz="1400" dirty="0">
+                          <a:latin typeface="Calibri" panose="020F0502020204030204" pitchFamily="34" charset="0"/>
+                        </a:rPr>
                         <a:t>9</a:t>
                       </a:r>
                       <a:endParaRPr lang="uk-UA" sz="1400" dirty="0"/>
@@ -11500,7 +11764,9 @@
                     <a:p>
                       <a:pPr algn="ctr"/>
                       <a:r>
-                        <a:rPr lang="en-US" sz="1400" dirty="0"/>
+                        <a:rPr lang="en-US" sz="1400" dirty="0">
+                          <a:latin typeface="Calibri" panose="020F0502020204030204" pitchFamily="34" charset="0"/>
+                        </a:rPr>
                         <a:t>5</a:t>
                       </a:r>
                       <a:endParaRPr lang="uk-UA" sz="1400" dirty="0"/>
@@ -11515,7 +11781,9 @@
                     <a:p>
                       <a:pPr algn="ctr"/>
                       <a:r>
-                        <a:rPr lang="en-US" sz="1400" dirty="0"/>
+                        <a:rPr lang="en-US" sz="1400" dirty="0">
+                          <a:latin typeface="Calibri" panose="020F0502020204030204" pitchFamily="34" charset="0"/>
+                        </a:rPr>
                         <a:t>25</a:t>
                       </a:r>
                       <a:endParaRPr lang="uk-UA" sz="1400" dirty="0"/>
@@ -11537,7 +11805,9 @@
                     <a:p>
                       <a:pPr algn="ctr"/>
                       <a:r>
-                        <a:rPr lang="en-US" sz="1400" dirty="0"/>
+                        <a:rPr lang="en-US" sz="1400" dirty="0">
+                          <a:latin typeface="Calibri" panose="020F0502020204030204" pitchFamily="34" charset="0"/>
+                        </a:rPr>
                         <a:t>3</a:t>
                       </a:r>
                       <a:endParaRPr lang="uk-UA" sz="1400" dirty="0"/>
@@ -11552,7 +11822,9 @@
                     <a:p>
                       <a:pPr algn="ctr"/>
                       <a:r>
-                        <a:rPr lang="en-US" sz="1400" dirty="0"/>
+                        <a:rPr lang="en-US" sz="1400" dirty="0">
+                          <a:latin typeface="Calibri" panose="020F0502020204030204" pitchFamily="34" charset="0"/>
+                        </a:rPr>
                         <a:t>12</a:t>
                       </a:r>
                       <a:endParaRPr lang="uk-UA" sz="1400" dirty="0"/>
@@ -11567,7 +11839,9 @@
                     <a:p>
                       <a:pPr algn="ctr"/>
                       <a:r>
-                        <a:rPr lang="en-US" sz="1400" dirty="0"/>
+                        <a:rPr lang="en-US" sz="1400" dirty="0">
+                          <a:latin typeface="Calibri" panose="020F0502020204030204" pitchFamily="34" charset="0"/>
+                        </a:rPr>
                         <a:t>12</a:t>
                       </a:r>
                       <a:endParaRPr lang="uk-UA" sz="1400" dirty="0"/>
@@ -11582,7 +11856,9 @@
                     <a:p>
                       <a:pPr algn="ctr"/>
                       <a:r>
-                        <a:rPr lang="en-US" sz="1400" dirty="0"/>
+                        <a:rPr lang="en-US" sz="1400" dirty="0">
+                          <a:latin typeface="Calibri" panose="020F0502020204030204" pitchFamily="34" charset="0"/>
+                        </a:rPr>
                         <a:t>0</a:t>
                       </a:r>
                       <a:endParaRPr lang="uk-UA" sz="1400" dirty="0"/>
@@ -11597,7 +11873,9 @@
                     <a:p>
                       <a:pPr algn="ctr"/>
                       <a:r>
-                        <a:rPr lang="en-US" sz="1400" dirty="0"/>
+                        <a:rPr lang="en-US" sz="1400" dirty="0">
+                          <a:latin typeface="Calibri" panose="020F0502020204030204" pitchFamily="34" charset="0"/>
+                        </a:rPr>
                         <a:t>0</a:t>
                       </a:r>
                       <a:endParaRPr lang="uk-UA" sz="1400" dirty="0"/>
@@ -11619,7 +11897,9 @@
                     <a:p>
                       <a:pPr algn="ctr"/>
                       <a:r>
-                        <a:rPr lang="en-US" sz="1400" dirty="0"/>
+                        <a:rPr lang="en-US" sz="1400" dirty="0">
+                          <a:latin typeface="Calibri" panose="020F0502020204030204" pitchFamily="34" charset="0"/>
+                        </a:rPr>
                         <a:t>4</a:t>
                       </a:r>
                       <a:endParaRPr lang="uk-UA" sz="1400" dirty="0"/>
@@ -11634,7 +11914,9 @@
                     <a:p>
                       <a:pPr algn="ctr"/>
                       <a:r>
-                        <a:rPr lang="en-US" sz="1400" dirty="0"/>
+                        <a:rPr lang="en-US" sz="1400" dirty="0">
+                          <a:latin typeface="Calibri" panose="020F0502020204030204" pitchFamily="34" charset="0"/>
+                        </a:rPr>
                         <a:t>14</a:t>
                       </a:r>
                       <a:endParaRPr lang="uk-UA" sz="1400" dirty="0"/>
@@ -11649,7 +11931,9 @@
                     <a:p>
                       <a:pPr algn="ctr"/>
                       <a:r>
-                        <a:rPr lang="en-US" sz="1400" dirty="0"/>
+                        <a:rPr lang="en-US" sz="1400" dirty="0">
+                          <a:latin typeface="Calibri" panose="020F0502020204030204" pitchFamily="34" charset="0"/>
+                        </a:rPr>
                         <a:t>13</a:t>
                       </a:r>
                       <a:endParaRPr lang="uk-UA" sz="1400" dirty="0"/>
@@ -11664,7 +11948,9 @@
                     <a:p>
                       <a:pPr algn="ctr"/>
                       <a:r>
-                        <a:rPr lang="en-US" sz="1400" dirty="0"/>
+                        <a:rPr lang="en-US" sz="1400" dirty="0">
+                          <a:latin typeface="Calibri" panose="020F0502020204030204" pitchFamily="34" charset="0"/>
+                        </a:rPr>
                         <a:t>1</a:t>
                       </a:r>
                       <a:endParaRPr lang="uk-UA" sz="1400" dirty="0"/>
@@ -11679,7 +11965,9 @@
                     <a:p>
                       <a:pPr algn="ctr"/>
                       <a:r>
-                        <a:rPr lang="en-US" sz="1400" dirty="0"/>
+                        <a:rPr lang="en-US" sz="1400" dirty="0">
+                          <a:latin typeface="Calibri" panose="020F0502020204030204" pitchFamily="34" charset="0"/>
+                        </a:rPr>
                         <a:t>1</a:t>
                       </a:r>
                       <a:endParaRPr lang="uk-UA" sz="1400" dirty="0"/>
@@ -11701,7 +11989,9 @@
                     <a:p>
                       <a:pPr algn="ctr"/>
                       <a:r>
-                        <a:rPr lang="en-US" sz="1400" dirty="0"/>
+                        <a:rPr lang="en-US" sz="1400" dirty="0">
+                          <a:latin typeface="Calibri" panose="020F0502020204030204" pitchFamily="34" charset="0"/>
+                        </a:rPr>
                         <a:t>5</a:t>
                       </a:r>
                       <a:endParaRPr lang="uk-UA" sz="1400" dirty="0"/>
@@ -11716,7 +12006,9 @@
                     <a:p>
                       <a:pPr algn="ctr"/>
                       <a:r>
-                        <a:rPr lang="en-US" sz="1400" dirty="0"/>
+                        <a:rPr lang="en-US" sz="1400" dirty="0">
+                          <a:latin typeface="Calibri" panose="020F0502020204030204" pitchFamily="34" charset="0"/>
+                        </a:rPr>
                         <a:t>7</a:t>
                       </a:r>
                       <a:endParaRPr lang="uk-UA" sz="1400" dirty="0"/>
@@ -11731,7 +12023,9 @@
                     <a:p>
                       <a:pPr algn="ctr"/>
                       <a:r>
-                        <a:rPr lang="en-US" sz="1400" dirty="0"/>
+                        <a:rPr lang="en-US" sz="1400" dirty="0">
+                          <a:latin typeface="Calibri" panose="020F0502020204030204" pitchFamily="34" charset="0"/>
+                        </a:rPr>
                         <a:t>9</a:t>
                       </a:r>
                       <a:endParaRPr lang="uk-UA" sz="1400" dirty="0"/>
@@ -11746,7 +12040,9 @@
                     <a:p>
                       <a:pPr algn="ctr"/>
                       <a:r>
-                        <a:rPr lang="en-US" sz="1400" dirty="0"/>
+                        <a:rPr lang="en-US" sz="1400" dirty="0">
+                          <a:latin typeface="Calibri" panose="020F0502020204030204" pitchFamily="34" charset="0"/>
+                        </a:rPr>
                         <a:t>-2</a:t>
                       </a:r>
                       <a:endParaRPr lang="uk-UA" sz="1400" dirty="0"/>
@@ -11761,7 +12057,9 @@
                     <a:p>
                       <a:pPr algn="ctr"/>
                       <a:r>
-                        <a:rPr lang="en-US" sz="1400" dirty="0"/>
+                        <a:rPr lang="en-US" sz="1400" dirty="0">
+                          <a:latin typeface="Calibri" panose="020F0502020204030204" pitchFamily="34" charset="0"/>
+                        </a:rPr>
                         <a:t>4</a:t>
                       </a:r>
                       <a:endParaRPr lang="uk-UA" sz="1400" dirty="0"/>
@@ -11783,7 +12081,9 @@
                     <a:p>
                       <a:pPr algn="ctr"/>
                       <a:r>
-                        <a:rPr lang="en-US" sz="1400" dirty="0"/>
+                        <a:rPr lang="en-US" sz="1400" dirty="0">
+                          <a:latin typeface="Calibri" panose="020F0502020204030204" pitchFamily="34" charset="0"/>
+                        </a:rPr>
                         <a:t>6</a:t>
                       </a:r>
                       <a:endParaRPr lang="uk-UA" sz="1400" dirty="0"/>
@@ -11798,7 +12098,9 @@
                     <a:p>
                       <a:pPr algn="ctr"/>
                       <a:r>
-                        <a:rPr lang="en-US" sz="1400" dirty="0"/>
+                        <a:rPr lang="en-US" sz="1400" dirty="0">
+                          <a:latin typeface="Calibri" panose="020F0502020204030204" pitchFamily="34" charset="0"/>
+                        </a:rPr>
                         <a:t>11</a:t>
                       </a:r>
                       <a:endParaRPr lang="uk-UA" sz="1400" dirty="0"/>
@@ -11813,7 +12115,9 @@
                     <a:p>
                       <a:pPr algn="ctr"/>
                       <a:r>
-                        <a:rPr lang="en-US" sz="1400" dirty="0"/>
+                        <a:rPr lang="en-US" sz="1400" dirty="0">
+                          <a:latin typeface="Calibri" panose="020F0502020204030204" pitchFamily="34" charset="0"/>
+                        </a:rPr>
                         <a:t>14</a:t>
                       </a:r>
                       <a:endParaRPr lang="uk-UA" sz="1400" dirty="0"/>
@@ -11828,7 +12132,9 @@
                     <a:p>
                       <a:pPr algn="ctr"/>
                       <a:r>
-                        <a:rPr lang="en-US" sz="1400" dirty="0"/>
+                        <a:rPr lang="en-US" sz="1400" dirty="0">
+                          <a:latin typeface="Calibri" panose="020F0502020204030204" pitchFamily="34" charset="0"/>
+                        </a:rPr>
                         <a:t>-3</a:t>
                       </a:r>
                       <a:endParaRPr lang="uk-UA" sz="1400" dirty="0"/>
@@ -11843,7 +12149,9 @@
                     <a:p>
                       <a:pPr algn="ctr"/>
                       <a:r>
-                        <a:rPr lang="en-US" sz="1400" dirty="0"/>
+                        <a:rPr lang="en-US" sz="1400" dirty="0">
+                          <a:latin typeface="Calibri" panose="020F0502020204030204" pitchFamily="34" charset="0"/>
+                        </a:rPr>
                         <a:t>9</a:t>
                       </a:r>
                       <a:endParaRPr lang="uk-UA" sz="1400" dirty="0"/>
@@ -11864,7 +12172,9 @@
                     <a:lstStyle/>
                     <a:p>
                       <a:pPr algn="ctr"/>
-                      <a:endParaRPr lang="uk-UA" sz="1400" dirty="0"/>
+                      <a:endParaRPr lang="uk-UA" sz="1400" dirty="0">
+                        <a:latin typeface="Calibri" panose="020F0502020204030204" pitchFamily="34" charset="0"/>
+                      </a:endParaRPr>
                     </a:p>
                   </a:txBody>
                   <a:tcPr anchor="ctr"/>
@@ -11876,7 +12186,9 @@
                     <a:p>
                       <a:pPr algn="r"/>
                       <a:r>
-                        <a:rPr lang="en-US" sz="1400" dirty="0"/>
+                        <a:rPr lang="en-US" sz="1400" dirty="0">
+                          <a:latin typeface="Calibri" panose="020F0502020204030204" pitchFamily="34" charset="0"/>
+                        </a:rPr>
                         <a:t>SUM</a:t>
                       </a:r>
                       <a:endParaRPr lang="uk-UA" sz="1400" dirty="0"/>
@@ -11913,7 +12225,9 @@
                     <a:p>
                       <a:pPr algn="ctr"/>
                       <a:r>
-                        <a:rPr lang="en-US" sz="1400" dirty="0"/>
+                        <a:rPr lang="en-US" sz="1400" dirty="0">
+                          <a:latin typeface="Calibri" panose="020F0502020204030204" pitchFamily="34" charset="0"/>
+                        </a:rPr>
                         <a:t>40</a:t>
                       </a:r>
                       <a:endParaRPr lang="uk-UA" sz="1400" dirty="0"/>
@@ -11934,7 +12248,9 @@
                     <a:lstStyle/>
                     <a:p>
                       <a:pPr algn="ctr"/>
-                      <a:endParaRPr lang="uk-UA" sz="1400" dirty="0"/>
+                      <a:endParaRPr lang="uk-UA" sz="1400" dirty="0">
+                        <a:latin typeface="Calibri" panose="020F0502020204030204" pitchFamily="34" charset="0"/>
+                      </a:endParaRPr>
                     </a:p>
                   </a:txBody>
                   <a:tcPr anchor="ctr"/>
@@ -11946,7 +12262,9 @@
                     <a:p>
                       <a:pPr algn="r"/>
                       <a:r>
-                        <a:rPr lang="en-US" sz="1400" dirty="0"/>
+                        <a:rPr lang="en-US" sz="1400" dirty="0">
+                          <a:latin typeface="Calibri" panose="020F0502020204030204" pitchFamily="34" charset="0"/>
+                        </a:rPr>
                         <a:t>MSE = SUM/N</a:t>
                       </a:r>
                       <a:endParaRPr lang="uk-UA" sz="1400" dirty="0"/>
@@ -11997,7 +12315,9 @@
                         <a:defRPr/>
                       </a:pPr>
                       <a:r>
-                        <a:rPr lang="en-US" sz="1400" dirty="0"/>
+                        <a:rPr lang="en-US" sz="1400" dirty="0">
+                          <a:latin typeface="Calibri" panose="020F0502020204030204" pitchFamily="34" charset="0"/>
+                        </a:rPr>
                         <a:t>6,67</a:t>
                       </a:r>
                       <a:endParaRPr lang="uk-UA" sz="1400" dirty="0"/>
@@ -12212,34 +12532,50 @@
               <a:buNone/>
             </a:pPr>
             <a:r>
-              <a:rPr lang="ru-RU" sz="2400" dirty="0" err="1"/>
+              <a:rPr lang="ru-RU" sz="2400" dirty="0" err="1">
+                <a:latin typeface="Calibri" panose="020F0502020204030204" pitchFamily="34" charset="0"/>
+              </a:rPr>
               <a:t>Чи</a:t>
             </a:r>
             <a:r>
-              <a:rPr lang="ru-RU" sz="2400" dirty="0"/>
+              <a:rPr lang="ru-RU" sz="2400" dirty="0">
+                <a:latin typeface="Calibri" panose="020F0502020204030204" pitchFamily="34" charset="0"/>
+              </a:rPr>
               <a:t> </a:t>
             </a:r>
             <a:r>
-              <a:rPr lang="ru-RU" sz="2400" dirty="0" err="1"/>
+              <a:rPr lang="ru-RU" sz="2400" dirty="0" err="1">
+                <a:latin typeface="Calibri" panose="020F0502020204030204" pitchFamily="34" charset="0"/>
+              </a:rPr>
               <a:t>менше</a:t>
             </a:r>
             <a:r>
-              <a:rPr lang="ru-RU" sz="2400" dirty="0"/>
+              <a:rPr lang="ru-RU" sz="2400" dirty="0">
+                <a:latin typeface="Calibri" panose="020F0502020204030204" pitchFamily="34" charset="0"/>
+              </a:rPr>
               <a:t> в</a:t>
             </a:r>
             <a:r>
-              <a:rPr lang="uk-UA" sz="2400" dirty="0" err="1"/>
+              <a:rPr lang="uk-UA" sz="2400" dirty="0" err="1">
+                <a:latin typeface="Calibri" panose="020F0502020204030204" pitchFamily="34" charset="0"/>
+              </a:rPr>
               <a:t>ідхилення</a:t>
             </a:r>
             <a:r>
-              <a:rPr lang="uk-UA" sz="2400" dirty="0"/>
+              <a:rPr lang="uk-UA" sz="2400" dirty="0">
+                <a:latin typeface="Calibri" panose="020F0502020204030204" pitchFamily="34" charset="0"/>
+              </a:rPr>
               <a:t>, </a:t>
             </a:r>
             <a:br>
-              <a:rPr lang="uk-UA" sz="2400" dirty="0"/>
+              <a:rPr lang="uk-UA" sz="2400" dirty="0">
+                <a:latin typeface="Calibri" panose="020F0502020204030204" pitchFamily="34" charset="0"/>
+              </a:rPr>
             </a:br>
             <a:r>
-              <a:rPr lang="uk-UA" sz="2400" dirty="0"/>
+              <a:rPr lang="uk-UA" sz="2400" dirty="0">
+                <a:latin typeface="Calibri" panose="020F0502020204030204" pitchFamily="34" charset="0"/>
+              </a:rPr>
               <a:t>тим краща модель</a:t>
             </a:r>
           </a:p>
@@ -12845,7 +13181,9 @@
             <a:lstStyle/>
             <a:p>
               <a:pPr algn="ctr"/>
-              <a:endParaRPr lang="uk-UA"/>
+              <a:endParaRPr lang="uk-UA" dirty="0">
+                <a:latin typeface="Calibri" panose="020F0502020204030204" pitchFamily="34" charset="0"/>
+              </a:endParaRPr>
             </a:p>
           </p:txBody>
         </p:sp>
@@ -12999,7 +13337,9 @@
               <a:lstStyle/>
               <a:p>
                 <a:pPr algn="ctr"/>
-                <a:endParaRPr lang="uk-UA"/>
+                <a:endParaRPr lang="uk-UA" dirty="0">
+                  <a:latin typeface="Calibri" panose="020F0502020204030204" pitchFamily="34" charset="0"/>
+                </a:endParaRPr>
               </a:p>
             </p:txBody>
           </p:sp>
@@ -13045,7 +13385,9 @@
               <a:lstStyle/>
               <a:p>
                 <a:pPr algn="ctr"/>
-                <a:endParaRPr lang="uk-UA"/>
+                <a:endParaRPr lang="uk-UA" dirty="0">
+                  <a:latin typeface="Calibri" panose="020F0502020204030204" pitchFamily="34" charset="0"/>
+                </a:endParaRPr>
               </a:p>
             </p:txBody>
           </p:sp>
@@ -13091,7 +13433,9 @@
               <a:lstStyle/>
               <a:p>
                 <a:pPr algn="ctr"/>
-                <a:endParaRPr lang="uk-UA"/>
+                <a:endParaRPr lang="uk-UA" dirty="0">
+                  <a:latin typeface="Calibri" panose="020F0502020204030204" pitchFamily="34" charset="0"/>
+                </a:endParaRPr>
               </a:p>
             </p:txBody>
           </p:sp>
@@ -13137,7 +13481,9 @@
               <a:lstStyle/>
               <a:p>
                 <a:pPr algn="ctr"/>
-                <a:endParaRPr lang="uk-UA"/>
+                <a:endParaRPr lang="uk-UA" dirty="0">
+                  <a:latin typeface="Calibri" panose="020F0502020204030204" pitchFamily="34" charset="0"/>
+                </a:endParaRPr>
               </a:p>
             </p:txBody>
           </p:sp>
@@ -13183,7 +13529,9 @@
               <a:lstStyle/>
               <a:p>
                 <a:pPr algn="ctr"/>
-                <a:endParaRPr lang="uk-UA"/>
+                <a:endParaRPr lang="uk-UA" dirty="0">
+                  <a:latin typeface="Calibri" panose="020F0502020204030204" pitchFamily="34" charset="0"/>
+                </a:endParaRPr>
               </a:p>
             </p:txBody>
           </p:sp>
@@ -13229,7 +13577,9 @@
               <a:lstStyle/>
               <a:p>
                 <a:pPr algn="ctr"/>
-                <a:endParaRPr lang="uk-UA"/>
+                <a:endParaRPr lang="uk-UA" dirty="0">
+                  <a:latin typeface="Calibri" panose="020F0502020204030204" pitchFamily="34" charset="0"/>
+                </a:endParaRPr>
               </a:p>
             </p:txBody>
           </p:sp>
@@ -13275,7 +13625,9 @@
               <a:lstStyle/>
               <a:p>
                 <a:pPr algn="ctr"/>
-                <a:endParaRPr lang="uk-UA"/>
+                <a:endParaRPr lang="uk-UA" dirty="0">
+                  <a:latin typeface="Calibri" panose="020F0502020204030204" pitchFamily="34" charset="0"/>
+                </a:endParaRPr>
               </a:p>
             </p:txBody>
           </p:sp>
@@ -13321,7 +13673,9 @@
               <a:lstStyle/>
               <a:p>
                 <a:pPr algn="ctr"/>
-                <a:endParaRPr lang="uk-UA"/>
+                <a:endParaRPr lang="uk-UA" dirty="0">
+                  <a:latin typeface="Calibri" panose="020F0502020204030204" pitchFamily="34" charset="0"/>
+                </a:endParaRPr>
               </a:p>
             </p:txBody>
           </p:sp>
@@ -13367,7 +13721,9 @@
               <a:lstStyle/>
               <a:p>
                 <a:pPr algn="ctr"/>
-                <a:endParaRPr lang="uk-UA"/>
+                <a:endParaRPr lang="uk-UA" dirty="0">
+                  <a:latin typeface="Calibri" panose="020F0502020204030204" pitchFamily="34" charset="0"/>
+                </a:endParaRPr>
               </a:p>
             </p:txBody>
           </p:sp>
@@ -13413,7 +13769,9 @@
               <a:lstStyle/>
               <a:p>
                 <a:pPr algn="ctr"/>
-                <a:endParaRPr lang="uk-UA"/>
+                <a:endParaRPr lang="uk-UA" dirty="0">
+                  <a:latin typeface="Calibri" panose="020F0502020204030204" pitchFamily="34" charset="0"/>
+                </a:endParaRPr>
               </a:p>
             </p:txBody>
           </p:sp>
@@ -13459,7 +13817,9 @@
               <a:lstStyle/>
               <a:p>
                 <a:pPr algn="ctr"/>
-                <a:endParaRPr lang="uk-UA"/>
+                <a:endParaRPr lang="uk-UA" dirty="0">
+                  <a:latin typeface="Calibri" panose="020F0502020204030204" pitchFamily="34" charset="0"/>
+                </a:endParaRPr>
               </a:p>
             </p:txBody>
           </p:sp>
@@ -13505,7 +13865,9 @@
               <a:lstStyle/>
               <a:p>
                 <a:pPr algn="ctr"/>
-                <a:endParaRPr lang="uk-UA"/>
+                <a:endParaRPr lang="uk-UA" dirty="0">
+                  <a:latin typeface="Calibri" panose="020F0502020204030204" pitchFamily="34" charset="0"/>
+                </a:endParaRPr>
               </a:p>
             </p:txBody>
           </p:sp>
@@ -13543,6 +13905,7 @@
                     <a:solidFill>
                       <a:srgbClr val="000000"/>
                     </a:solidFill>
+                    <a:latin typeface="Calibri" panose="020F0502020204030204" pitchFamily="34" charset="0"/>
                   </a:rPr>
                   <a:t>Y</a:t>
                 </a:r>
@@ -13550,6 +13913,7 @@
                   <a:solidFill>
                     <a:srgbClr val="000000"/>
                   </a:solidFill>
+                  <a:latin typeface="Calibri" panose="020F0502020204030204" pitchFamily="34" charset="0"/>
                 </a:endParaRPr>
               </a:p>
             </p:txBody>
@@ -13588,6 +13952,7 @@
                     <a:solidFill>
                       <a:srgbClr val="000000"/>
                     </a:solidFill>
+                    <a:latin typeface="Calibri" panose="020F0502020204030204" pitchFamily="34" charset="0"/>
                   </a:rPr>
                   <a:t>X</a:t>
                 </a:r>
@@ -13595,6 +13960,7 @@
                   <a:solidFill>
                     <a:srgbClr val="000000"/>
                   </a:solidFill>
+                  <a:latin typeface="Calibri" panose="020F0502020204030204" pitchFamily="34" charset="0"/>
                 </a:endParaRPr>
               </a:p>
             </p:txBody>
@@ -13907,7 +14273,9 @@
           <a:lstStyle/>
           <a:p>
             <a:pPr algn="ctr"/>
-            <a:endParaRPr lang="uk-UA"/>
+            <a:endParaRPr lang="uk-UA" dirty="0">
+              <a:latin typeface="Calibri" panose="020F0502020204030204" pitchFamily="34" charset="0"/>
+            </a:endParaRPr>
           </a:p>
         </p:txBody>
       </p:sp>
@@ -13953,7 +14321,9 @@
           <a:lstStyle/>
           <a:p>
             <a:pPr algn="ctr"/>
-            <a:endParaRPr lang="uk-UA"/>
+            <a:endParaRPr lang="uk-UA" dirty="0">
+              <a:latin typeface="Calibri" panose="020F0502020204030204" pitchFamily="34" charset="0"/>
+            </a:endParaRPr>
           </a:p>
         </p:txBody>
       </p:sp>
@@ -13999,7 +14369,9 @@
           <a:lstStyle/>
           <a:p>
             <a:pPr algn="ctr"/>
-            <a:endParaRPr lang="uk-UA"/>
+            <a:endParaRPr lang="uk-UA" dirty="0">
+              <a:latin typeface="Calibri" panose="020F0502020204030204" pitchFamily="34" charset="0"/>
+            </a:endParaRPr>
           </a:p>
         </p:txBody>
       </p:sp>
@@ -14045,7 +14417,9 @@
           <a:lstStyle/>
           <a:p>
             <a:pPr algn="ctr"/>
-            <a:endParaRPr lang="uk-UA"/>
+            <a:endParaRPr lang="uk-UA" dirty="0">
+              <a:latin typeface="Calibri" panose="020F0502020204030204" pitchFamily="34" charset="0"/>
+            </a:endParaRPr>
           </a:p>
         </p:txBody>
       </p:sp>
@@ -14091,7 +14465,9 @@
           <a:lstStyle/>
           <a:p>
             <a:pPr algn="ctr"/>
-            <a:endParaRPr lang="uk-UA"/>
+            <a:endParaRPr lang="uk-UA" dirty="0">
+              <a:latin typeface="Calibri" panose="020F0502020204030204" pitchFamily="34" charset="0"/>
+            </a:endParaRPr>
           </a:p>
         </p:txBody>
       </p:sp>
@@ -14137,7 +14513,9 @@
           <a:lstStyle/>
           <a:p>
             <a:pPr algn="ctr"/>
-            <a:endParaRPr lang="uk-UA"/>
+            <a:endParaRPr lang="uk-UA" dirty="0">
+              <a:latin typeface="Calibri" panose="020F0502020204030204" pitchFamily="34" charset="0"/>
+            </a:endParaRPr>
           </a:p>
         </p:txBody>
       </p:sp>
@@ -14183,7 +14561,9 @@
           <a:lstStyle/>
           <a:p>
             <a:pPr algn="ctr"/>
-            <a:endParaRPr lang="uk-UA"/>
+            <a:endParaRPr lang="uk-UA" dirty="0">
+              <a:latin typeface="Calibri" panose="020F0502020204030204" pitchFamily="34" charset="0"/>
+            </a:endParaRPr>
           </a:p>
         </p:txBody>
       </p:sp>
@@ -14229,7 +14609,9 @@
           <a:lstStyle/>
           <a:p>
             <a:pPr algn="ctr"/>
-            <a:endParaRPr lang="uk-UA"/>
+            <a:endParaRPr lang="uk-UA" dirty="0">
+              <a:latin typeface="Calibri" panose="020F0502020204030204" pitchFamily="34" charset="0"/>
+            </a:endParaRPr>
           </a:p>
         </p:txBody>
       </p:sp>
@@ -14275,7 +14657,9 @@
           <a:lstStyle/>
           <a:p>
             <a:pPr algn="ctr"/>
-            <a:endParaRPr lang="uk-UA"/>
+            <a:endParaRPr lang="uk-UA" dirty="0">
+              <a:latin typeface="Calibri" panose="020F0502020204030204" pitchFamily="34" charset="0"/>
+            </a:endParaRPr>
           </a:p>
         </p:txBody>
       </p:sp>
@@ -14321,7 +14705,9 @@
           <a:lstStyle/>
           <a:p>
             <a:pPr algn="ctr"/>
-            <a:endParaRPr lang="uk-UA"/>
+            <a:endParaRPr lang="uk-UA" dirty="0">
+              <a:latin typeface="Calibri" panose="020F0502020204030204" pitchFamily="34" charset="0"/>
+            </a:endParaRPr>
           </a:p>
         </p:txBody>
       </p:sp>
@@ -14367,7 +14753,9 @@
           <a:lstStyle/>
           <a:p>
             <a:pPr algn="ctr"/>
-            <a:endParaRPr lang="uk-UA"/>
+            <a:endParaRPr lang="uk-UA" dirty="0">
+              <a:latin typeface="Calibri" panose="020F0502020204030204" pitchFamily="34" charset="0"/>
+            </a:endParaRPr>
           </a:p>
         </p:txBody>
       </p:sp>
@@ -14413,7 +14801,9 @@
           <a:lstStyle/>
           <a:p>
             <a:pPr algn="ctr"/>
-            <a:endParaRPr lang="uk-UA"/>
+            <a:endParaRPr lang="uk-UA" dirty="0">
+              <a:latin typeface="Calibri" panose="020F0502020204030204" pitchFamily="34" charset="0"/>
+            </a:endParaRPr>
           </a:p>
         </p:txBody>
       </p:sp>
@@ -14459,7 +14849,9 @@
           <a:lstStyle/>
           <a:p>
             <a:pPr algn="ctr"/>
-            <a:endParaRPr lang="uk-UA"/>
+            <a:endParaRPr lang="uk-UA" dirty="0">
+              <a:latin typeface="Calibri" panose="020F0502020204030204" pitchFamily="34" charset="0"/>
+            </a:endParaRPr>
           </a:p>
         </p:txBody>
       </p:sp>
@@ -14505,7 +14897,9 @@
           <a:lstStyle/>
           <a:p>
             <a:pPr algn="ctr"/>
-            <a:endParaRPr lang="uk-UA"/>
+            <a:endParaRPr lang="uk-UA" dirty="0">
+              <a:latin typeface="Calibri" panose="020F0502020204030204" pitchFamily="34" charset="0"/>
+            </a:endParaRPr>
           </a:p>
         </p:txBody>
       </p:sp>
@@ -14551,7 +14945,9 @@
           <a:lstStyle/>
           <a:p>
             <a:pPr algn="ctr"/>
-            <a:endParaRPr lang="uk-UA"/>
+            <a:endParaRPr lang="uk-UA" dirty="0">
+              <a:latin typeface="Calibri" panose="020F0502020204030204" pitchFamily="34" charset="0"/>
+            </a:endParaRPr>
           </a:p>
         </p:txBody>
       </p:sp>
@@ -14597,7 +14993,9 @@
           <a:lstStyle/>
           <a:p>
             <a:pPr algn="ctr"/>
-            <a:endParaRPr lang="uk-UA"/>
+            <a:endParaRPr lang="uk-UA" dirty="0">
+              <a:latin typeface="Calibri" panose="020F0502020204030204" pitchFamily="34" charset="0"/>
+            </a:endParaRPr>
           </a:p>
         </p:txBody>
       </p:sp>
@@ -14643,7 +15041,9 @@
           <a:lstStyle/>
           <a:p>
             <a:pPr algn="ctr"/>
-            <a:endParaRPr lang="uk-UA"/>
+            <a:endParaRPr lang="uk-UA" dirty="0">
+              <a:latin typeface="Calibri" panose="020F0502020204030204" pitchFamily="34" charset="0"/>
+            </a:endParaRPr>
           </a:p>
         </p:txBody>
       </p:sp>
@@ -14689,7 +15089,9 @@
           <a:lstStyle/>
           <a:p>
             <a:pPr algn="ctr"/>
-            <a:endParaRPr lang="uk-UA"/>
+            <a:endParaRPr lang="uk-UA" dirty="0">
+              <a:latin typeface="Calibri" panose="020F0502020204030204" pitchFamily="34" charset="0"/>
+            </a:endParaRPr>
           </a:p>
         </p:txBody>
       </p:sp>
@@ -15309,6 +15711,7 @@
                 <a:solidFill>
                   <a:srgbClr val="000000"/>
                 </a:solidFill>
+                <a:latin typeface="Calibri" panose="020F0502020204030204" pitchFamily="34" charset="0"/>
               </a:rPr>
               <a:t>Клебан Ю.В.</a:t>
             </a:r>
@@ -15513,6 +15916,7 @@
                 <a:solidFill>
                   <a:srgbClr val="000000"/>
                 </a:solidFill>
+                <a:latin typeface="Calibri" panose="020F0502020204030204" pitchFamily="34" charset="0"/>
               </a:rPr>
               <a:t>м. Київ, 2018</a:t>
             </a:r>
@@ -15798,6 +16202,7 @@
                 <a:solidFill>
                   <a:srgbClr val="000000"/>
                 </a:solidFill>
+                <a:latin typeface="Calibri" panose="020F0502020204030204" pitchFamily="34" charset="0"/>
               </a:rPr>
               <a:t>+</a:t>
             </a:r>
@@ -15805,6 +16210,7 @@
               <a:solidFill>
                 <a:srgbClr val="000000"/>
               </a:solidFill>
+              <a:latin typeface="Calibri" panose="020F0502020204030204" pitchFamily="34" charset="0"/>
             </a:endParaRPr>
           </a:p>
         </p:txBody>
@@ -16811,7 +17217,9 @@
                     <a:p>
                       <a:pPr algn="ctr"/>
                       <a:r>
-                        <a:rPr lang="uk-UA" sz="1400" dirty="0"/>
+                        <a:rPr lang="uk-UA" sz="1400" dirty="0">
+                          <a:latin typeface="Calibri" panose="020F0502020204030204" pitchFamily="34" charset="0"/>
+                        </a:rPr>
                         <a:t>№</a:t>
                       </a:r>
                     </a:p>
@@ -16825,7 +17233,9 @@
                     <a:p>
                       <a:pPr algn="ctr"/>
                       <a:r>
-                        <a:rPr lang="en-US" sz="1400" dirty="0"/>
+                        <a:rPr lang="en-US" sz="1400" dirty="0">
+                          <a:latin typeface="Calibri" panose="020F0502020204030204" pitchFamily="34" charset="0"/>
+                        </a:rPr>
                         <a:t>type</a:t>
                       </a:r>
                       <a:endParaRPr lang="uk-UA" sz="1400" dirty="0"/>
@@ -16847,7 +17257,9 @@
                     <a:p>
                       <a:pPr algn="ctr"/>
                       <a:r>
-                        <a:rPr lang="en-US" sz="1400" dirty="0"/>
+                        <a:rPr lang="en-US" sz="1400" dirty="0">
+                          <a:latin typeface="Calibri" panose="020F0502020204030204" pitchFamily="34" charset="0"/>
+                        </a:rPr>
                         <a:t>1</a:t>
                       </a:r>
                       <a:endParaRPr lang="uk-UA" sz="1400" dirty="0"/>
@@ -16862,7 +17274,9 @@
                     <a:p>
                       <a:pPr algn="ctr"/>
                       <a:r>
-                        <a:rPr lang="en-US" sz="1400" b="1" dirty="0" err="1"/>
+                        <a:rPr lang="en-US" sz="1400" b="1" dirty="0" err="1">
+                          <a:latin typeface="Calibri" panose="020F0502020204030204" pitchFamily="34" charset="0"/>
+                        </a:rPr>
                         <a:t>wc</a:t>
                       </a:r>
                       <a:endParaRPr lang="uk-UA" sz="1400" b="1" dirty="0"/>
@@ -16884,7 +17298,9 @@
                     <a:p>
                       <a:pPr algn="ctr"/>
                       <a:r>
-                        <a:rPr lang="en-US" sz="1400" dirty="0"/>
+                        <a:rPr lang="en-US" sz="1400" dirty="0">
+                          <a:latin typeface="Calibri" panose="020F0502020204030204" pitchFamily="34" charset="0"/>
+                        </a:rPr>
                         <a:t>2</a:t>
                       </a:r>
                       <a:endParaRPr lang="uk-UA" sz="1400" dirty="0"/>
@@ -16899,7 +17315,9 @@
                     <a:p>
                       <a:pPr algn="ctr"/>
                       <a:r>
-                        <a:rPr lang="en-US" sz="1400" b="1" dirty="0"/>
+                        <a:rPr lang="en-US" sz="1400" b="1" dirty="0">
+                          <a:latin typeface="Calibri" panose="020F0502020204030204" pitchFamily="34" charset="0"/>
+                        </a:rPr>
                         <a:t>prof</a:t>
                       </a:r>
                       <a:endParaRPr lang="uk-UA" sz="1400" b="1" dirty="0"/>
@@ -16921,7 +17339,9 @@
                     <a:p>
                       <a:pPr algn="ctr"/>
                       <a:r>
-                        <a:rPr lang="en-US" sz="1400" dirty="0"/>
+                        <a:rPr lang="en-US" sz="1400" dirty="0">
+                          <a:latin typeface="Calibri" panose="020F0502020204030204" pitchFamily="34" charset="0"/>
+                        </a:rPr>
                         <a:t>3</a:t>
                       </a:r>
                       <a:endParaRPr lang="uk-UA" sz="1400" dirty="0"/>
@@ -16936,7 +17356,9 @@
                     <a:p>
                       <a:pPr algn="ctr"/>
                       <a:r>
-                        <a:rPr lang="en-US" sz="1400" b="1" dirty="0"/>
+                        <a:rPr lang="en-US" sz="1400" b="1" dirty="0">
+                          <a:latin typeface="Calibri" panose="020F0502020204030204" pitchFamily="34" charset="0"/>
+                        </a:rPr>
                         <a:t>prof</a:t>
                       </a:r>
                       <a:endParaRPr lang="uk-UA" sz="1400" b="1" dirty="0"/>
@@ -16958,7 +17380,9 @@
                     <a:p>
                       <a:pPr algn="ctr"/>
                       <a:r>
-                        <a:rPr lang="en-US" sz="1400" dirty="0"/>
+                        <a:rPr lang="en-US" sz="1400" dirty="0">
+                          <a:latin typeface="Calibri" panose="020F0502020204030204" pitchFamily="34" charset="0"/>
+                        </a:rPr>
                         <a:t>4</a:t>
                       </a:r>
                       <a:endParaRPr lang="uk-UA" sz="1400" dirty="0"/>
@@ -16973,7 +17397,9 @@
                     <a:p>
                       <a:pPr algn="ctr"/>
                       <a:r>
-                        <a:rPr lang="en-US" sz="1400" b="1" dirty="0" err="1"/>
+                        <a:rPr lang="en-US" sz="1400" b="1" dirty="0" err="1">
+                          <a:latin typeface="Calibri" panose="020F0502020204030204" pitchFamily="34" charset="0"/>
+                        </a:rPr>
                         <a:t>bc</a:t>
                       </a:r>
                       <a:endParaRPr lang="uk-UA" sz="1400" b="1" dirty="0"/>
@@ -16995,7 +17421,9 @@
                     <a:p>
                       <a:pPr algn="ctr"/>
                       <a:r>
-                        <a:rPr lang="en-US" sz="1400" dirty="0"/>
+                        <a:rPr lang="en-US" sz="1400" dirty="0">
+                          <a:latin typeface="Calibri" panose="020F0502020204030204" pitchFamily="34" charset="0"/>
+                        </a:rPr>
                         <a:t>5</a:t>
                       </a:r>
                       <a:endParaRPr lang="uk-UA" sz="1400" dirty="0"/>
@@ -17010,7 +17438,9 @@
                     <a:p>
                       <a:pPr algn="ctr"/>
                       <a:r>
-                        <a:rPr lang="en-US" sz="1400" b="1" dirty="0" err="1"/>
+                        <a:rPr lang="en-US" sz="1400" b="1" dirty="0" err="1">
+                          <a:latin typeface="Calibri" panose="020F0502020204030204" pitchFamily="34" charset="0"/>
+                        </a:rPr>
                         <a:t>wc</a:t>
                       </a:r>
                       <a:endParaRPr lang="uk-UA" sz="1400" b="1" dirty="0"/>
@@ -17032,7 +17462,9 @@
                     <a:p>
                       <a:pPr algn="ctr"/>
                       <a:r>
-                        <a:rPr lang="en-US" sz="1400" dirty="0"/>
+                        <a:rPr lang="en-US" sz="1400" dirty="0">
+                          <a:latin typeface="Calibri" panose="020F0502020204030204" pitchFamily="34" charset="0"/>
+                        </a:rPr>
                         <a:t>6</a:t>
                       </a:r>
                       <a:endParaRPr lang="uk-UA" sz="1400" dirty="0"/>
@@ -17047,7 +17479,9 @@
                     <a:p>
                       <a:pPr algn="ctr"/>
                       <a:r>
-                        <a:rPr lang="en-US" sz="1400" b="1" dirty="0"/>
+                        <a:rPr lang="en-US" sz="1400" b="1" dirty="0">
+                          <a:latin typeface="Calibri" panose="020F0502020204030204" pitchFamily="34" charset="0"/>
+                        </a:rPr>
                         <a:t>prof</a:t>
                       </a:r>
                       <a:endParaRPr lang="uk-UA" sz="1400" b="1" dirty="0"/>
@@ -17126,7 +17560,9 @@
                     <a:p>
                       <a:pPr algn="ctr"/>
                       <a:r>
-                        <a:rPr lang="uk-UA" sz="1400" dirty="0"/>
+                        <a:rPr lang="uk-UA" sz="1400" dirty="0">
+                          <a:latin typeface="Calibri" panose="020F0502020204030204" pitchFamily="34" charset="0"/>
+                        </a:rPr>
                         <a:t>№</a:t>
                       </a:r>
                     </a:p>
@@ -17140,7 +17576,9 @@
                     <a:p>
                       <a:pPr algn="ctr"/>
                       <a:r>
-                        <a:rPr lang="en-US" sz="1400" dirty="0" err="1"/>
+                        <a:rPr lang="en-US" sz="1400" dirty="0" err="1">
+                          <a:latin typeface="Calibri" panose="020F0502020204030204" pitchFamily="34" charset="0"/>
+                        </a:rPr>
                         <a:t>typewc</a:t>
                       </a:r>
                       <a:endParaRPr lang="uk-UA" sz="1400" dirty="0"/>
@@ -17155,7 +17593,9 @@
                     <a:p>
                       <a:pPr algn="ctr"/>
                       <a:r>
-                        <a:rPr lang="en-US" sz="1400" dirty="0" err="1"/>
+                        <a:rPr lang="en-US" sz="1400" dirty="0" err="1">
+                          <a:latin typeface="Calibri" panose="020F0502020204030204" pitchFamily="34" charset="0"/>
+                        </a:rPr>
                         <a:t>typeprof</a:t>
                       </a:r>
                       <a:endParaRPr lang="uk-UA" sz="1400" dirty="0"/>
@@ -17177,7 +17617,9 @@
                     <a:p>
                       <a:pPr algn="ctr"/>
                       <a:r>
-                        <a:rPr lang="en-US" sz="1400" dirty="0"/>
+                        <a:rPr lang="en-US" sz="1400" dirty="0">
+                          <a:latin typeface="Calibri" panose="020F0502020204030204" pitchFamily="34" charset="0"/>
+                        </a:rPr>
                         <a:t>1</a:t>
                       </a:r>
                       <a:endParaRPr lang="uk-UA" sz="1400" dirty="0"/>
@@ -17192,7 +17634,9 @@
                     <a:p>
                       <a:pPr algn="ctr"/>
                       <a:r>
-                        <a:rPr lang="en-US" sz="1400" b="1" dirty="0"/>
+                        <a:rPr lang="en-US" sz="1400" b="1" dirty="0">
+                          <a:latin typeface="Calibri" panose="020F0502020204030204" pitchFamily="34" charset="0"/>
+                        </a:rPr>
                         <a:t>1</a:t>
                       </a:r>
                       <a:endParaRPr lang="uk-UA" sz="1400" b="1" dirty="0"/>
@@ -17207,7 +17651,9 @@
                     <a:p>
                       <a:pPr algn="ctr"/>
                       <a:r>
-                        <a:rPr lang="en-US" sz="1400" b="1" dirty="0"/>
+                        <a:rPr lang="en-US" sz="1400" b="1" dirty="0">
+                          <a:latin typeface="Calibri" panose="020F0502020204030204" pitchFamily="34" charset="0"/>
+                        </a:rPr>
                         <a:t>0</a:t>
                       </a:r>
                       <a:endParaRPr lang="uk-UA" sz="1400" b="1" dirty="0"/>
@@ -17229,7 +17675,9 @@
                     <a:p>
                       <a:pPr algn="ctr"/>
                       <a:r>
-                        <a:rPr lang="en-US" sz="1400" dirty="0"/>
+                        <a:rPr lang="en-US" sz="1400" dirty="0">
+                          <a:latin typeface="Calibri" panose="020F0502020204030204" pitchFamily="34" charset="0"/>
+                        </a:rPr>
                         <a:t>2</a:t>
                       </a:r>
                       <a:endParaRPr lang="uk-UA" sz="1400" dirty="0"/>
@@ -17244,7 +17692,9 @@
                     <a:p>
                       <a:pPr algn="ctr"/>
                       <a:r>
-                        <a:rPr lang="en-US" sz="1400" b="1" dirty="0"/>
+                        <a:rPr lang="en-US" sz="1400" b="1" dirty="0">
+                          <a:latin typeface="Calibri" panose="020F0502020204030204" pitchFamily="34" charset="0"/>
+                        </a:rPr>
                         <a:t>0</a:t>
                       </a:r>
                       <a:endParaRPr lang="uk-UA" sz="1400" b="1" dirty="0"/>
@@ -17259,7 +17709,9 @@
                     <a:p>
                       <a:pPr algn="ctr"/>
                       <a:r>
-                        <a:rPr lang="en-US" sz="1400" b="1" dirty="0"/>
+                        <a:rPr lang="en-US" sz="1400" b="1" dirty="0">
+                          <a:latin typeface="Calibri" panose="020F0502020204030204" pitchFamily="34" charset="0"/>
+                        </a:rPr>
                         <a:t>1</a:t>
                       </a:r>
                       <a:endParaRPr lang="uk-UA" sz="1400" b="1" dirty="0"/>
@@ -17281,7 +17733,9 @@
                     <a:p>
                       <a:pPr algn="ctr"/>
                       <a:r>
-                        <a:rPr lang="en-US" sz="1400" dirty="0"/>
+                        <a:rPr lang="en-US" sz="1400" dirty="0">
+                          <a:latin typeface="Calibri" panose="020F0502020204030204" pitchFamily="34" charset="0"/>
+                        </a:rPr>
                         <a:t>3</a:t>
                       </a:r>
                       <a:endParaRPr lang="uk-UA" sz="1400" dirty="0"/>
@@ -17296,7 +17750,9 @@
                     <a:p>
                       <a:pPr algn="ctr"/>
                       <a:r>
-                        <a:rPr lang="en-US" sz="1400" b="1" dirty="0"/>
+                        <a:rPr lang="en-US" sz="1400" b="1" dirty="0">
+                          <a:latin typeface="Calibri" panose="020F0502020204030204" pitchFamily="34" charset="0"/>
+                        </a:rPr>
                         <a:t>0</a:t>
                       </a:r>
                       <a:endParaRPr lang="uk-UA" sz="1400" b="1" dirty="0"/>
@@ -17311,7 +17767,9 @@
                     <a:p>
                       <a:pPr algn="ctr"/>
                       <a:r>
-                        <a:rPr lang="en-US" sz="1400" b="1" dirty="0"/>
+                        <a:rPr lang="en-US" sz="1400" b="1" dirty="0">
+                          <a:latin typeface="Calibri" panose="020F0502020204030204" pitchFamily="34" charset="0"/>
+                        </a:rPr>
                         <a:t>1</a:t>
                       </a:r>
                       <a:endParaRPr lang="uk-UA" sz="1400" b="1" dirty="0"/>
@@ -17333,7 +17791,9 @@
                     <a:p>
                       <a:pPr algn="ctr"/>
                       <a:r>
-                        <a:rPr lang="en-US" sz="1400" dirty="0"/>
+                        <a:rPr lang="en-US" sz="1400" dirty="0">
+                          <a:latin typeface="Calibri" panose="020F0502020204030204" pitchFamily="34" charset="0"/>
+                        </a:rPr>
                         <a:t>4</a:t>
                       </a:r>
                       <a:endParaRPr lang="uk-UA" sz="1400" dirty="0"/>
@@ -17348,7 +17808,9 @@
                     <a:p>
                       <a:pPr algn="ctr"/>
                       <a:r>
-                        <a:rPr lang="en-US" sz="1400" b="1" dirty="0"/>
+                        <a:rPr lang="en-US" sz="1400" b="1" dirty="0">
+                          <a:latin typeface="Calibri" panose="020F0502020204030204" pitchFamily="34" charset="0"/>
+                        </a:rPr>
                         <a:t>0</a:t>
                       </a:r>
                       <a:endParaRPr lang="uk-UA" sz="1400" b="1" dirty="0"/>
@@ -17363,7 +17825,9 @@
                     <a:p>
                       <a:pPr algn="ctr"/>
                       <a:r>
-                        <a:rPr lang="en-US" sz="1400" b="1" dirty="0"/>
+                        <a:rPr lang="en-US" sz="1400" b="1" dirty="0">
+                          <a:latin typeface="Calibri" panose="020F0502020204030204" pitchFamily="34" charset="0"/>
+                        </a:rPr>
                         <a:t>0</a:t>
                       </a:r>
                       <a:endParaRPr lang="uk-UA" sz="1400" b="1" dirty="0"/>
@@ -17385,7 +17849,9 @@
                     <a:p>
                       <a:pPr algn="ctr"/>
                       <a:r>
-                        <a:rPr lang="en-US" sz="1400" dirty="0"/>
+                        <a:rPr lang="en-US" sz="1400" dirty="0">
+                          <a:latin typeface="Calibri" panose="020F0502020204030204" pitchFamily="34" charset="0"/>
+                        </a:rPr>
                         <a:t>5</a:t>
                       </a:r>
                       <a:endParaRPr lang="uk-UA" sz="1400" dirty="0"/>
@@ -17400,7 +17866,9 @@
                     <a:p>
                       <a:pPr algn="ctr"/>
                       <a:r>
-                        <a:rPr lang="en-US" sz="1400" b="1" dirty="0"/>
+                        <a:rPr lang="en-US" sz="1400" b="1" dirty="0">
+                          <a:latin typeface="Calibri" panose="020F0502020204030204" pitchFamily="34" charset="0"/>
+                        </a:rPr>
                         <a:t>1</a:t>
                       </a:r>
                       <a:endParaRPr lang="uk-UA" sz="1400" b="1" dirty="0"/>
@@ -17415,7 +17883,9 @@
                     <a:p>
                       <a:pPr algn="ctr"/>
                       <a:r>
-                        <a:rPr lang="en-US" sz="1400" b="1" dirty="0"/>
+                        <a:rPr lang="en-US" sz="1400" b="1" dirty="0">
+                          <a:latin typeface="Calibri" panose="020F0502020204030204" pitchFamily="34" charset="0"/>
+                        </a:rPr>
                         <a:t>0</a:t>
                       </a:r>
                       <a:endParaRPr lang="uk-UA" sz="1400" b="1" dirty="0"/>
@@ -17437,7 +17907,9 @@
                     <a:p>
                       <a:pPr algn="ctr"/>
                       <a:r>
-                        <a:rPr lang="en-US" sz="1400" dirty="0"/>
+                        <a:rPr lang="en-US" sz="1400" dirty="0">
+                          <a:latin typeface="Calibri" panose="020F0502020204030204" pitchFamily="34" charset="0"/>
+                        </a:rPr>
                         <a:t>6</a:t>
                       </a:r>
                       <a:endParaRPr lang="uk-UA" sz="1400" dirty="0"/>
@@ -17452,7 +17924,9 @@
                     <a:p>
                       <a:pPr algn="ctr"/>
                       <a:r>
-                        <a:rPr lang="en-US" sz="1400" b="1" dirty="0"/>
+                        <a:rPr lang="en-US" sz="1400" b="1" dirty="0">
+                          <a:latin typeface="Calibri" panose="020F0502020204030204" pitchFamily="34" charset="0"/>
+                        </a:rPr>
                         <a:t>0</a:t>
                       </a:r>
                       <a:endParaRPr lang="uk-UA" sz="1400" b="1" dirty="0"/>
@@ -17467,7 +17941,9 @@
                     <a:p>
                       <a:pPr algn="ctr"/>
                       <a:r>
-                        <a:rPr lang="en-US" sz="1400" b="1" dirty="0"/>
+                        <a:rPr lang="en-US" sz="1400" b="1" dirty="0">
+                          <a:latin typeface="Calibri" panose="020F0502020204030204" pitchFamily="34" charset="0"/>
+                        </a:rPr>
                         <a:t>1</a:t>
                       </a:r>
                       <a:endParaRPr lang="uk-UA" sz="1400" b="1" dirty="0"/>
@@ -17570,7 +18046,9 @@
           <a:lstStyle/>
           <a:p>
             <a:pPr algn="ctr"/>
-            <a:endParaRPr lang="uk-UA"/>
+            <a:endParaRPr lang="uk-UA" dirty="0">
+              <a:latin typeface="Calibri" panose="020F0502020204030204" pitchFamily="34" charset="0"/>
+            </a:endParaRPr>
           </a:p>
         </p:txBody>
       </p:sp>
@@ -17828,7 +18306,9 @@
               <a:buNone/>
             </a:pPr>
             <a:r>
-              <a:rPr lang="en-US" sz="2000" i="1" dirty="0"/>
+              <a:rPr lang="en-US" sz="2000" i="1" dirty="0">
+                <a:latin typeface="Calibri" panose="020F0502020204030204" pitchFamily="34" charset="0"/>
+              </a:rPr>
               <a:t>*reference</a:t>
             </a:r>
           </a:p>
@@ -17876,7 +18356,9 @@
           <a:lstStyle/>
           <a:p>
             <a:pPr algn="ctr"/>
-            <a:endParaRPr lang="uk-UA"/>
+            <a:endParaRPr lang="uk-UA" dirty="0">
+              <a:latin typeface="Calibri" panose="020F0502020204030204" pitchFamily="34" charset="0"/>
+            </a:endParaRPr>
           </a:p>
         </p:txBody>
       </p:sp>
@@ -18192,6 +18674,7 @@
                 <a:solidFill>
                   <a:srgbClr val="000000"/>
                 </a:solidFill>
+                <a:latin typeface="Calibri" panose="020F0502020204030204" pitchFamily="34" charset="0"/>
               </a:rPr>
               <a:t>Клебан Ю.В.</a:t>
             </a:r>
@@ -18396,6 +18879,7 @@
                 <a:solidFill>
                   <a:srgbClr val="000000"/>
                 </a:solidFill>
+                <a:latin typeface="Calibri" panose="020F0502020204030204" pitchFamily="34" charset="0"/>
               </a:rPr>
               <a:t>м. Київ, 2018</a:t>
             </a:r>
@@ -18681,6 +19165,7 @@
                 <a:solidFill>
                   <a:srgbClr val="000000"/>
                 </a:solidFill>
+                <a:latin typeface="Calibri" panose="020F0502020204030204" pitchFamily="34" charset="0"/>
               </a:rPr>
               <a:t>+</a:t>
             </a:r>
@@ -18688,6 +19173,7 @@
               <a:solidFill>
                 <a:srgbClr val="000000"/>
               </a:solidFill>
+              <a:latin typeface="Calibri" panose="020F0502020204030204" pitchFamily="34" charset="0"/>
             </a:endParaRPr>
           </a:p>
         </p:txBody>
@@ -19425,7 +19911,9 @@
               <a:lstStyle/>
               <a:p>
                 <a:pPr algn="ctr"/>
-                <a:endParaRPr lang="uk-UA"/>
+                <a:endParaRPr lang="uk-UA" dirty="0">
+                  <a:latin typeface="Calibri" panose="020F0502020204030204" pitchFamily="34" charset="0"/>
+                </a:endParaRPr>
               </a:p>
             </p:txBody>
           </p:sp>
@@ -19471,7 +19959,9 @@
               <a:lstStyle/>
               <a:p>
                 <a:pPr algn="ctr"/>
-                <a:endParaRPr lang="uk-UA"/>
+                <a:endParaRPr lang="uk-UA" dirty="0">
+                  <a:latin typeface="Calibri" panose="020F0502020204030204" pitchFamily="34" charset="0"/>
+                </a:endParaRPr>
               </a:p>
             </p:txBody>
           </p:sp>
@@ -19517,7 +20007,9 @@
               <a:lstStyle/>
               <a:p>
                 <a:pPr algn="ctr"/>
-                <a:endParaRPr lang="uk-UA"/>
+                <a:endParaRPr lang="uk-UA" dirty="0">
+                  <a:latin typeface="Calibri" panose="020F0502020204030204" pitchFamily="34" charset="0"/>
+                </a:endParaRPr>
               </a:p>
             </p:txBody>
           </p:sp>
@@ -19563,7 +20055,9 @@
               <a:lstStyle/>
               <a:p>
                 <a:pPr algn="ctr"/>
-                <a:endParaRPr lang="uk-UA"/>
+                <a:endParaRPr lang="uk-UA" dirty="0">
+                  <a:latin typeface="Calibri" panose="020F0502020204030204" pitchFamily="34" charset="0"/>
+                </a:endParaRPr>
               </a:p>
             </p:txBody>
           </p:sp>
@@ -19601,6 +20095,7 @@
                     <a:solidFill>
                       <a:srgbClr val="000000"/>
                     </a:solidFill>
+                    <a:latin typeface="Calibri" panose="020F0502020204030204" pitchFamily="34" charset="0"/>
                   </a:rPr>
                   <a:t>Y</a:t>
                 </a:r>
@@ -19608,6 +20103,7 @@
                   <a:solidFill>
                     <a:srgbClr val="000000"/>
                   </a:solidFill>
+                  <a:latin typeface="Calibri" panose="020F0502020204030204" pitchFamily="34" charset="0"/>
                 </a:endParaRPr>
               </a:p>
             </p:txBody>
@@ -19646,6 +20142,7 @@
                     <a:solidFill>
                       <a:srgbClr val="000000"/>
                     </a:solidFill>
+                    <a:latin typeface="Calibri" panose="020F0502020204030204" pitchFamily="34" charset="0"/>
                   </a:rPr>
                   <a:t>X</a:t>
                 </a:r>
@@ -19653,6 +20150,7 @@
                   <a:solidFill>
                     <a:srgbClr val="000000"/>
                   </a:solidFill>
+                  <a:latin typeface="Calibri" panose="020F0502020204030204" pitchFamily="34" charset="0"/>
                 </a:endParaRPr>
               </a:p>
             </p:txBody>
@@ -20057,23 +20555,33 @@
               <a:buNone/>
             </a:pPr>
             <a:r>
-              <a:rPr lang="uk-UA" sz="2000" b="1" dirty="0" err="1"/>
+              <a:rPr lang="uk-UA" sz="2000" b="1" dirty="0" err="1">
+                <a:latin typeface="Calibri" panose="020F0502020204030204" pitchFamily="34" charset="0"/>
+              </a:rPr>
               <a:t>Стастистична</a:t>
             </a:r>
             <a:r>
-              <a:rPr lang="uk-UA" sz="2000" dirty="0"/>
+              <a:rPr lang="uk-UA" sz="2000" dirty="0">
+                <a:latin typeface="Calibri" panose="020F0502020204030204" pitchFamily="34" charset="0"/>
+              </a:rPr>
               <a:t> - коли кожному значенню </a:t>
             </a:r>
             <a:r>
-              <a:rPr lang="en-US" sz="2000" dirty="0"/>
+              <a:rPr lang="en-US" sz="2000" dirty="0">
+                <a:latin typeface="Calibri" panose="020F0502020204030204" pitchFamily="34" charset="0"/>
+              </a:rPr>
               <a:t>X </a:t>
             </a:r>
             <a:r>
-              <a:rPr lang="uk-UA" sz="2000" dirty="0"/>
+              <a:rPr lang="uk-UA" sz="2000" dirty="0">
+                <a:latin typeface="Calibri" panose="020F0502020204030204" pitchFamily="34" charset="0"/>
+              </a:rPr>
               <a:t>може відповідати кілька значень </a:t>
             </a:r>
             <a:r>
-              <a:rPr lang="en-US" sz="2000" dirty="0"/>
+              <a:rPr lang="en-US" sz="2000" dirty="0">
+                <a:latin typeface="Calibri" panose="020F0502020204030204" pitchFamily="34" charset="0"/>
+              </a:rPr>
               <a:t>Y.</a:t>
             </a:r>
           </a:p>
@@ -20295,7 +20803,9 @@
               <a:lstStyle/>
               <a:p>
                 <a:pPr algn="ctr"/>
-                <a:endParaRPr lang="uk-UA"/>
+                <a:endParaRPr lang="uk-UA" dirty="0">
+                  <a:latin typeface="Calibri" panose="020F0502020204030204" pitchFamily="34" charset="0"/>
+                </a:endParaRPr>
               </a:p>
             </p:txBody>
           </p:sp>
@@ -20341,7 +20851,9 @@
               <a:lstStyle/>
               <a:p>
                 <a:pPr algn="ctr"/>
-                <a:endParaRPr lang="uk-UA"/>
+                <a:endParaRPr lang="uk-UA" dirty="0">
+                  <a:latin typeface="Calibri" panose="020F0502020204030204" pitchFamily="34" charset="0"/>
+                </a:endParaRPr>
               </a:p>
             </p:txBody>
           </p:sp>
@@ -20387,7 +20899,9 @@
               <a:lstStyle/>
               <a:p>
                 <a:pPr algn="ctr"/>
-                <a:endParaRPr lang="uk-UA"/>
+                <a:endParaRPr lang="uk-UA" dirty="0">
+                  <a:latin typeface="Calibri" panose="020F0502020204030204" pitchFamily="34" charset="0"/>
+                </a:endParaRPr>
               </a:p>
             </p:txBody>
           </p:sp>
@@ -20433,7 +20947,9 @@
               <a:lstStyle/>
               <a:p>
                 <a:pPr algn="ctr"/>
-                <a:endParaRPr lang="uk-UA"/>
+                <a:endParaRPr lang="uk-UA" dirty="0">
+                  <a:latin typeface="Calibri" panose="020F0502020204030204" pitchFamily="34" charset="0"/>
+                </a:endParaRPr>
               </a:p>
             </p:txBody>
           </p:sp>
@@ -20479,7 +20995,9 @@
               <a:lstStyle/>
               <a:p>
                 <a:pPr algn="ctr"/>
-                <a:endParaRPr lang="uk-UA"/>
+                <a:endParaRPr lang="uk-UA" dirty="0">
+                  <a:latin typeface="Calibri" panose="020F0502020204030204" pitchFamily="34" charset="0"/>
+                </a:endParaRPr>
               </a:p>
             </p:txBody>
           </p:sp>
@@ -20525,7 +21043,9 @@
               <a:lstStyle/>
               <a:p>
                 <a:pPr algn="ctr"/>
-                <a:endParaRPr lang="uk-UA"/>
+                <a:endParaRPr lang="uk-UA" dirty="0">
+                  <a:latin typeface="Calibri" panose="020F0502020204030204" pitchFamily="34" charset="0"/>
+                </a:endParaRPr>
               </a:p>
             </p:txBody>
           </p:sp>
@@ -20571,7 +21091,9 @@
               <a:lstStyle/>
               <a:p>
                 <a:pPr algn="ctr"/>
-                <a:endParaRPr lang="uk-UA"/>
+                <a:endParaRPr lang="uk-UA" dirty="0">
+                  <a:latin typeface="Calibri" panose="020F0502020204030204" pitchFamily="34" charset="0"/>
+                </a:endParaRPr>
               </a:p>
             </p:txBody>
           </p:sp>
@@ -20617,7 +21139,9 @@
               <a:lstStyle/>
               <a:p>
                 <a:pPr algn="ctr"/>
-                <a:endParaRPr lang="uk-UA"/>
+                <a:endParaRPr lang="uk-UA" dirty="0">
+                  <a:latin typeface="Calibri" panose="020F0502020204030204" pitchFamily="34" charset="0"/>
+                </a:endParaRPr>
               </a:p>
             </p:txBody>
           </p:sp>
@@ -20663,7 +21187,9 @@
               <a:lstStyle/>
               <a:p>
                 <a:pPr algn="ctr"/>
-                <a:endParaRPr lang="uk-UA"/>
+                <a:endParaRPr lang="uk-UA" dirty="0">
+                  <a:latin typeface="Calibri" panose="020F0502020204030204" pitchFamily="34" charset="0"/>
+                </a:endParaRPr>
               </a:p>
             </p:txBody>
           </p:sp>
@@ -20709,7 +21235,9 @@
               <a:lstStyle/>
               <a:p>
                 <a:pPr algn="ctr"/>
-                <a:endParaRPr lang="uk-UA"/>
+                <a:endParaRPr lang="uk-UA" dirty="0">
+                  <a:latin typeface="Calibri" panose="020F0502020204030204" pitchFamily="34" charset="0"/>
+                </a:endParaRPr>
               </a:p>
             </p:txBody>
           </p:sp>
@@ -20755,7 +21283,9 @@
               <a:lstStyle/>
               <a:p>
                 <a:pPr algn="ctr"/>
-                <a:endParaRPr lang="uk-UA"/>
+                <a:endParaRPr lang="uk-UA" dirty="0">
+                  <a:latin typeface="Calibri" panose="020F0502020204030204" pitchFamily="34" charset="0"/>
+                </a:endParaRPr>
               </a:p>
             </p:txBody>
           </p:sp>
@@ -20801,7 +21331,9 @@
               <a:lstStyle/>
               <a:p>
                 <a:pPr algn="ctr"/>
-                <a:endParaRPr lang="uk-UA"/>
+                <a:endParaRPr lang="uk-UA" dirty="0">
+                  <a:latin typeface="Calibri" panose="020F0502020204030204" pitchFamily="34" charset="0"/>
+                </a:endParaRPr>
               </a:p>
             </p:txBody>
           </p:sp>
@@ -20839,6 +21371,7 @@
                     <a:solidFill>
                       <a:srgbClr val="000000"/>
                     </a:solidFill>
+                    <a:latin typeface="Calibri" panose="020F0502020204030204" pitchFamily="34" charset="0"/>
                   </a:rPr>
                   <a:t>Y</a:t>
                 </a:r>
@@ -20846,6 +21379,7 @@
                   <a:solidFill>
                     <a:srgbClr val="000000"/>
                   </a:solidFill>
+                  <a:latin typeface="Calibri" panose="020F0502020204030204" pitchFamily="34" charset="0"/>
                 </a:endParaRPr>
               </a:p>
             </p:txBody>
@@ -20884,6 +21418,7 @@
                     <a:solidFill>
                       <a:srgbClr val="000000"/>
                     </a:solidFill>
+                    <a:latin typeface="Calibri" panose="020F0502020204030204" pitchFamily="34" charset="0"/>
                   </a:rPr>
                   <a:t>X</a:t>
                 </a:r>
@@ -20891,6 +21426,7 @@
                   <a:solidFill>
                     <a:srgbClr val="000000"/>
                   </a:solidFill>
+                  <a:latin typeface="Calibri" panose="020F0502020204030204" pitchFamily="34" charset="0"/>
                 </a:endParaRPr>
               </a:p>
             </p:txBody>
@@ -20944,7 +21480,9 @@
             <a:lstStyle/>
             <a:p>
               <a:pPr algn="ctr"/>
-              <a:endParaRPr lang="uk-UA"/>
+              <a:endParaRPr lang="uk-UA" dirty="0">
+                <a:latin typeface="Calibri" panose="020F0502020204030204" pitchFamily="34" charset="0"/>
+              </a:endParaRPr>
             </a:p>
           </p:txBody>
         </p:sp>
@@ -20991,7 +21529,9 @@
           <a:lstStyle/>
           <a:p>
             <a:pPr algn="ctr"/>
-            <a:endParaRPr lang="uk-UA"/>
+            <a:endParaRPr lang="uk-UA" dirty="0">
+              <a:latin typeface="Calibri" panose="020F0502020204030204" pitchFamily="34" charset="0"/>
+            </a:endParaRPr>
           </a:p>
         </p:txBody>
       </p:sp>
@@ -21037,7 +21577,9 @@
           <a:lstStyle/>
           <a:p>
             <a:pPr algn="ctr"/>
-            <a:endParaRPr lang="uk-UA"/>
+            <a:endParaRPr lang="uk-UA" dirty="0">
+              <a:latin typeface="Calibri" panose="020F0502020204030204" pitchFamily="34" charset="0"/>
+            </a:endParaRPr>
           </a:p>
         </p:txBody>
       </p:sp>
@@ -21083,7 +21625,9 @@
           <a:lstStyle/>
           <a:p>
             <a:pPr algn="ctr"/>
-            <a:endParaRPr lang="uk-UA"/>
+            <a:endParaRPr lang="uk-UA" dirty="0">
+              <a:latin typeface="Calibri" panose="020F0502020204030204" pitchFamily="34" charset="0"/>
+            </a:endParaRPr>
           </a:p>
         </p:txBody>
       </p:sp>
@@ -21428,7 +21972,9 @@
             <a:lstStyle/>
             <a:p>
               <a:pPr algn="ctr"/>
-              <a:endParaRPr lang="uk-UA"/>
+              <a:endParaRPr lang="uk-UA" dirty="0">
+                <a:latin typeface="Calibri" panose="020F0502020204030204" pitchFamily="34" charset="0"/>
+              </a:endParaRPr>
             </a:p>
           </p:txBody>
         </p:sp>
@@ -21474,7 +22020,9 @@
             <a:lstStyle/>
             <a:p>
               <a:pPr algn="ctr"/>
-              <a:endParaRPr lang="uk-UA"/>
+              <a:endParaRPr lang="uk-UA" dirty="0">
+                <a:latin typeface="Calibri" panose="020F0502020204030204" pitchFamily="34" charset="0"/>
+              </a:endParaRPr>
             </a:p>
           </p:txBody>
         </p:sp>
@@ -21520,7 +22068,9 @@
             <a:lstStyle/>
             <a:p>
               <a:pPr algn="ctr"/>
-              <a:endParaRPr lang="uk-UA"/>
+              <a:endParaRPr lang="uk-UA" dirty="0">
+                <a:latin typeface="Calibri" panose="020F0502020204030204" pitchFamily="34" charset="0"/>
+              </a:endParaRPr>
             </a:p>
           </p:txBody>
         </p:sp>
@@ -21566,7 +22116,9 @@
             <a:lstStyle/>
             <a:p>
               <a:pPr algn="ctr"/>
-              <a:endParaRPr lang="uk-UA"/>
+              <a:endParaRPr lang="uk-UA" dirty="0">
+                <a:latin typeface="Calibri" panose="020F0502020204030204" pitchFamily="34" charset="0"/>
+              </a:endParaRPr>
             </a:p>
           </p:txBody>
         </p:sp>
@@ -21612,7 +22164,9 @@
             <a:lstStyle/>
             <a:p>
               <a:pPr algn="ctr"/>
-              <a:endParaRPr lang="uk-UA"/>
+              <a:endParaRPr lang="uk-UA" dirty="0">
+                <a:latin typeface="Calibri" panose="020F0502020204030204" pitchFamily="34" charset="0"/>
+              </a:endParaRPr>
             </a:p>
           </p:txBody>
         </p:sp>
@@ -21658,7 +22212,9 @@
             <a:lstStyle/>
             <a:p>
               <a:pPr algn="ctr"/>
-              <a:endParaRPr lang="uk-UA"/>
+              <a:endParaRPr lang="uk-UA" dirty="0">
+                <a:latin typeface="Calibri" panose="020F0502020204030204" pitchFamily="34" charset="0"/>
+              </a:endParaRPr>
             </a:p>
           </p:txBody>
         </p:sp>
@@ -21704,7 +22260,9 @@
             <a:lstStyle/>
             <a:p>
               <a:pPr algn="ctr"/>
-              <a:endParaRPr lang="uk-UA"/>
+              <a:endParaRPr lang="uk-UA" dirty="0">
+                <a:latin typeface="Calibri" panose="020F0502020204030204" pitchFamily="34" charset="0"/>
+              </a:endParaRPr>
             </a:p>
           </p:txBody>
         </p:sp>
@@ -21750,7 +22308,9 @@
             <a:lstStyle/>
             <a:p>
               <a:pPr algn="ctr"/>
-              <a:endParaRPr lang="uk-UA"/>
+              <a:endParaRPr lang="uk-UA" dirty="0">
+                <a:latin typeface="Calibri" panose="020F0502020204030204" pitchFamily="34" charset="0"/>
+              </a:endParaRPr>
             </a:p>
           </p:txBody>
         </p:sp>
@@ -21796,7 +22356,9 @@
             <a:lstStyle/>
             <a:p>
               <a:pPr algn="ctr"/>
-              <a:endParaRPr lang="uk-UA"/>
+              <a:endParaRPr lang="uk-UA" dirty="0">
+                <a:latin typeface="Calibri" panose="020F0502020204030204" pitchFamily="34" charset="0"/>
+              </a:endParaRPr>
             </a:p>
           </p:txBody>
         </p:sp>
@@ -21842,7 +22404,9 @@
             <a:lstStyle/>
             <a:p>
               <a:pPr algn="ctr"/>
-              <a:endParaRPr lang="uk-UA"/>
+              <a:endParaRPr lang="uk-UA" dirty="0">
+                <a:latin typeface="Calibri" panose="020F0502020204030204" pitchFamily="34" charset="0"/>
+              </a:endParaRPr>
             </a:p>
           </p:txBody>
         </p:sp>
@@ -21888,7 +22452,9 @@
             <a:lstStyle/>
             <a:p>
               <a:pPr algn="ctr"/>
-              <a:endParaRPr lang="uk-UA"/>
+              <a:endParaRPr lang="uk-UA" dirty="0">
+                <a:latin typeface="Calibri" panose="020F0502020204030204" pitchFamily="34" charset="0"/>
+              </a:endParaRPr>
             </a:p>
           </p:txBody>
         </p:sp>
@@ -21934,7 +22500,9 @@
             <a:lstStyle/>
             <a:p>
               <a:pPr algn="ctr"/>
-              <a:endParaRPr lang="uk-UA"/>
+              <a:endParaRPr lang="uk-UA" dirty="0">
+                <a:latin typeface="Calibri" panose="020F0502020204030204" pitchFamily="34" charset="0"/>
+              </a:endParaRPr>
             </a:p>
           </p:txBody>
         </p:sp>
@@ -21972,6 +22540,7 @@
                   <a:solidFill>
                     <a:srgbClr val="000000"/>
                   </a:solidFill>
+                  <a:latin typeface="Calibri" panose="020F0502020204030204" pitchFamily="34" charset="0"/>
                 </a:rPr>
                 <a:t>Y</a:t>
               </a:r>
@@ -21979,6 +22548,7 @@
                 <a:solidFill>
                   <a:srgbClr val="000000"/>
                 </a:solidFill>
+                <a:latin typeface="Calibri" panose="020F0502020204030204" pitchFamily="34" charset="0"/>
               </a:endParaRPr>
             </a:p>
           </p:txBody>
@@ -22017,6 +22587,7 @@
                   <a:solidFill>
                     <a:srgbClr val="000000"/>
                   </a:solidFill>
+                  <a:latin typeface="Calibri" panose="020F0502020204030204" pitchFamily="34" charset="0"/>
                 </a:rPr>
                 <a:t>X</a:t>
               </a:r>
@@ -22024,6 +22595,7 @@
                 <a:solidFill>
                   <a:srgbClr val="000000"/>
                 </a:solidFill>
+                <a:latin typeface="Calibri" panose="020F0502020204030204" pitchFamily="34" charset="0"/>
               </a:endParaRPr>
             </a:p>
           </p:txBody>
@@ -22417,7 +22989,9 @@
               <a:buFont typeface="Arial" panose="020B0604020202020204" pitchFamily="34" charset="0"/>
               <a:buNone/>
             </a:pPr>
-            <a:endParaRPr lang="uk-UA" sz="2400" b="1" dirty="0"/>
+            <a:endParaRPr lang="uk-UA" sz="2400" b="1" dirty="0">
+              <a:latin typeface="Calibri" panose="020F0502020204030204" pitchFamily="34" charset="0"/>
+            </a:endParaRPr>
           </a:p>
           <a:p>
             <a:pPr marL="0" indent="0">
@@ -22425,10 +22999,14 @@
               <a:buNone/>
             </a:pPr>
             <a:r>
-              <a:rPr lang="uk-UA" sz="2400" b="1" dirty="0"/>
+              <a:rPr lang="uk-UA" sz="2400" b="1" dirty="0">
+                <a:latin typeface="Calibri" panose="020F0502020204030204" pitchFamily="34" charset="0"/>
+              </a:rPr>
               <a:t>Результуюча змінна</a:t>
             </a:r>
-            <a:endParaRPr lang="en-US" sz="2400" b="1" dirty="0"/>
+            <a:endParaRPr lang="en-US" sz="2400" b="1" dirty="0">
+              <a:latin typeface="Calibri" panose="020F0502020204030204" pitchFamily="34" charset="0"/>
+            </a:endParaRPr>
           </a:p>
           <a:p>
             <a:pPr marL="0" indent="0">
@@ -22436,11 +23014,15 @@
               <a:buNone/>
             </a:pPr>
             <a:r>
-              <a:rPr lang="ru-RU" sz="2400" b="1" dirty="0" err="1"/>
+              <a:rPr lang="ru-RU" sz="2400" b="1" dirty="0" err="1">
+                <a:latin typeface="Calibri" panose="020F0502020204030204" pitchFamily="34" charset="0"/>
+              </a:rPr>
               <a:t>Залежна</a:t>
             </a:r>
             <a:r>
-              <a:rPr lang="uk-UA" sz="2400" b="1" dirty="0"/>
+              <a:rPr lang="uk-UA" sz="2400" b="1" dirty="0">
+                <a:latin typeface="Calibri" panose="020F0502020204030204" pitchFamily="34" charset="0"/>
+              </a:rPr>
               <a:t> змінна</a:t>
             </a:r>
           </a:p>
@@ -22450,7 +23032,9 @@
               <a:buNone/>
             </a:pPr>
             <a:r>
-              <a:rPr lang="uk-UA" sz="2400" b="1" dirty="0"/>
+              <a:rPr lang="uk-UA" sz="2400" b="1" dirty="0">
+                <a:latin typeface="Calibri" panose="020F0502020204030204" pitchFamily="34" charset="0"/>
+              </a:rPr>
               <a:t>Вихідна змінна</a:t>
             </a:r>
           </a:p>
@@ -22460,10 +23044,14 @@
               <a:buNone/>
             </a:pPr>
             <a:r>
-              <a:rPr lang="en-US" sz="2400" b="1" dirty="0"/>
+              <a:rPr lang="en-US" sz="2400" b="1" dirty="0">
+                <a:latin typeface="Calibri" panose="020F0502020204030204" pitchFamily="34" charset="0"/>
+              </a:rPr>
               <a:t>Y</a:t>
             </a:r>
-            <a:endParaRPr lang="en-US" sz="2400" dirty="0"/>
+            <a:endParaRPr lang="en-US" sz="2400" dirty="0">
+              <a:latin typeface="Calibri" panose="020F0502020204030204" pitchFamily="34" charset="0"/>
+            </a:endParaRPr>
           </a:p>
         </p:txBody>
       </p:sp>
@@ -23981,7 +24569,9 @@
                 <a:lstStyle/>
                 <a:p>
                   <a:pPr algn="ctr"/>
-                  <a:endParaRPr lang="uk-UA"/>
+                  <a:endParaRPr lang="uk-UA" dirty="0">
+                    <a:latin typeface="Calibri" panose="020F0502020204030204" pitchFamily="34" charset="0"/>
+                  </a:endParaRPr>
                 </a:p>
               </p:txBody>
             </p:sp>
@@ -24027,7 +24617,9 @@
                 <a:lstStyle/>
                 <a:p>
                   <a:pPr algn="ctr"/>
-                  <a:endParaRPr lang="uk-UA"/>
+                  <a:endParaRPr lang="uk-UA" dirty="0">
+                    <a:latin typeface="Calibri" panose="020F0502020204030204" pitchFamily="34" charset="0"/>
+                  </a:endParaRPr>
                 </a:p>
               </p:txBody>
             </p:sp>
@@ -24073,7 +24665,9 @@
                 <a:lstStyle/>
                 <a:p>
                   <a:pPr algn="ctr"/>
-                  <a:endParaRPr lang="uk-UA"/>
+                  <a:endParaRPr lang="uk-UA" dirty="0">
+                    <a:latin typeface="Calibri" panose="020F0502020204030204" pitchFamily="34" charset="0"/>
+                  </a:endParaRPr>
                 </a:p>
               </p:txBody>
             </p:sp>
@@ -24119,7 +24713,9 @@
                 <a:lstStyle/>
                 <a:p>
                   <a:pPr algn="ctr"/>
-                  <a:endParaRPr lang="uk-UA"/>
+                  <a:endParaRPr lang="uk-UA" dirty="0">
+                    <a:latin typeface="Calibri" panose="020F0502020204030204" pitchFamily="34" charset="0"/>
+                  </a:endParaRPr>
                 </a:p>
               </p:txBody>
             </p:sp>
@@ -24165,7 +24761,9 @@
                 <a:lstStyle/>
                 <a:p>
                   <a:pPr algn="ctr"/>
-                  <a:endParaRPr lang="uk-UA"/>
+                  <a:endParaRPr lang="uk-UA" dirty="0">
+                    <a:latin typeface="Calibri" panose="020F0502020204030204" pitchFamily="34" charset="0"/>
+                  </a:endParaRPr>
                 </a:p>
               </p:txBody>
             </p:sp>
@@ -24211,7 +24809,9 @@
                 <a:lstStyle/>
                 <a:p>
                   <a:pPr algn="ctr"/>
-                  <a:endParaRPr lang="uk-UA"/>
+                  <a:endParaRPr lang="uk-UA" dirty="0">
+                    <a:latin typeface="Calibri" panose="020F0502020204030204" pitchFamily="34" charset="0"/>
+                  </a:endParaRPr>
                 </a:p>
               </p:txBody>
             </p:sp>
@@ -24257,7 +24857,9 @@
                 <a:lstStyle/>
                 <a:p>
                   <a:pPr algn="ctr"/>
-                  <a:endParaRPr lang="uk-UA"/>
+                  <a:endParaRPr lang="uk-UA" dirty="0">
+                    <a:latin typeface="Calibri" panose="020F0502020204030204" pitchFamily="34" charset="0"/>
+                  </a:endParaRPr>
                 </a:p>
               </p:txBody>
             </p:sp>
@@ -24303,7 +24905,9 @@
                 <a:lstStyle/>
                 <a:p>
                   <a:pPr algn="ctr"/>
-                  <a:endParaRPr lang="uk-UA"/>
+                  <a:endParaRPr lang="uk-UA" dirty="0">
+                    <a:latin typeface="Calibri" panose="020F0502020204030204" pitchFamily="34" charset="0"/>
+                  </a:endParaRPr>
                 </a:p>
               </p:txBody>
             </p:sp>
@@ -24349,7 +24953,9 @@
                 <a:lstStyle/>
                 <a:p>
                   <a:pPr algn="ctr"/>
-                  <a:endParaRPr lang="uk-UA"/>
+                  <a:endParaRPr lang="uk-UA" dirty="0">
+                    <a:latin typeface="Calibri" panose="020F0502020204030204" pitchFamily="34" charset="0"/>
+                  </a:endParaRPr>
                 </a:p>
               </p:txBody>
             </p:sp>
@@ -24395,7 +25001,9 @@
                 <a:lstStyle/>
                 <a:p>
                   <a:pPr algn="ctr"/>
-                  <a:endParaRPr lang="uk-UA"/>
+                  <a:endParaRPr lang="uk-UA" dirty="0">
+                    <a:latin typeface="Calibri" panose="020F0502020204030204" pitchFamily="34" charset="0"/>
+                  </a:endParaRPr>
                 </a:p>
               </p:txBody>
             </p:sp>
@@ -24441,7 +25049,9 @@
                 <a:lstStyle/>
                 <a:p>
                   <a:pPr algn="ctr"/>
-                  <a:endParaRPr lang="uk-UA"/>
+                  <a:endParaRPr lang="uk-UA" dirty="0">
+                    <a:latin typeface="Calibri" panose="020F0502020204030204" pitchFamily="34" charset="0"/>
+                  </a:endParaRPr>
                 </a:p>
               </p:txBody>
             </p:sp>
@@ -24487,7 +25097,9 @@
                 <a:lstStyle/>
                 <a:p>
                   <a:pPr algn="ctr"/>
-                  <a:endParaRPr lang="uk-UA"/>
+                  <a:endParaRPr lang="uk-UA" dirty="0">
+                    <a:latin typeface="Calibri" panose="020F0502020204030204" pitchFamily="34" charset="0"/>
+                  </a:endParaRPr>
                 </a:p>
               </p:txBody>
             </p:sp>
@@ -24533,7 +25145,9 @@
                 <a:lstStyle/>
                 <a:p>
                   <a:pPr algn="ctr"/>
-                  <a:endParaRPr lang="uk-UA"/>
+                  <a:endParaRPr lang="uk-UA" dirty="0">
+                    <a:latin typeface="Calibri" panose="020F0502020204030204" pitchFamily="34" charset="0"/>
+                  </a:endParaRPr>
                 </a:p>
               </p:txBody>
             </p:sp>
@@ -24571,6 +25185,7 @@
                       <a:solidFill>
                         <a:srgbClr val="000000"/>
                       </a:solidFill>
+                      <a:latin typeface="Calibri" panose="020F0502020204030204" pitchFamily="34" charset="0"/>
                     </a:rPr>
                     <a:t>Y</a:t>
                   </a:r>
@@ -24578,6 +25193,7 @@
                     <a:solidFill>
                       <a:srgbClr val="000000"/>
                     </a:solidFill>
+                    <a:latin typeface="Calibri" panose="020F0502020204030204" pitchFamily="34" charset="0"/>
                   </a:endParaRPr>
                 </a:p>
               </p:txBody>
@@ -24616,6 +25232,7 @@
                       <a:solidFill>
                         <a:srgbClr val="000000"/>
                       </a:solidFill>
+                      <a:latin typeface="Calibri" panose="020F0502020204030204" pitchFamily="34" charset="0"/>
                     </a:rPr>
                     <a:t>X</a:t>
                   </a:r>
@@ -24623,6 +25240,7 @@
                     <a:solidFill>
                       <a:srgbClr val="000000"/>
                     </a:solidFill>
+                    <a:latin typeface="Calibri" panose="020F0502020204030204" pitchFamily="34" charset="0"/>
                   </a:endParaRPr>
                 </a:p>
               </p:txBody>
@@ -24660,6 +25278,7 @@
                       <a:solidFill>
                         <a:srgbClr val="4F4F4F"/>
                       </a:solidFill>
+                      <a:latin typeface="Calibri" panose="020F0502020204030204" pitchFamily="34" charset="0"/>
                     </a:rPr>
                     <a:t>a</a:t>
                   </a:r>
@@ -24668,6 +25287,7 @@
                       <a:solidFill>
                         <a:srgbClr val="4F4F4F"/>
                       </a:solidFill>
+                      <a:latin typeface="Calibri" panose="020F0502020204030204" pitchFamily="34" charset="0"/>
                     </a:rPr>
                     <a:t>0</a:t>
                   </a:r>
@@ -24675,6 +25295,7 @@
                     <a:solidFill>
                       <a:srgbClr val="4F4F4F"/>
                     </a:solidFill>
+                    <a:latin typeface="Calibri" panose="020F0502020204030204" pitchFamily="34" charset="0"/>
                   </a:endParaRPr>
                 </a:p>
               </p:txBody>
@@ -24723,13 +25344,15 @@
               <a:lstStyle/>
               <a:p>
                 <a:pPr algn="ctr"/>
-                <a:endParaRPr lang="uk-UA"/>
+                <a:endParaRPr lang="uk-UA" dirty="0">
+                  <a:latin typeface="Calibri" panose="020F0502020204030204" pitchFamily="34" charset="0"/>
+                </a:endParaRPr>
               </a:p>
             </p:txBody>
           </p:sp>
         </p:grpSp>
-        <mc:AlternateContent xmlns:mc="http://schemas.openxmlformats.org/markup-compatibility/2006" xmlns:a14="http://schemas.microsoft.com/office/drawing/2010/main">
-          <mc:Choice Requires="a14">
+        <mc:AlternateContent xmlns:mc="http://schemas.openxmlformats.org/markup-compatibility/2006">
+          <mc:Choice xmlns:a14="http://schemas.microsoft.com/office/drawing/2010/main" Requires="a14">
             <p:sp>
               <p:nvSpPr>
                 <p:cNvPr id="90" name="Прямокутник 89">
@@ -24785,12 +25408,13 @@
                         <a:lumMod val="50000"/>
                       </a:schemeClr>
                     </a:solidFill>
+                    <a:latin typeface="Calibri" panose="020F0502020204030204" pitchFamily="34" charset="0"/>
                   </a:endParaRPr>
                 </a:p>
               </p:txBody>
             </p:sp>
           </mc:Choice>
-          <mc:Fallback xmlns="">
+          <mc:Fallback>
             <p:sp>
               <p:nvSpPr>
                 <p:cNvPr id="90" name="Прямокутник 89">
@@ -24825,7 +25449,7 @@
                 <a:lstStyle/>
                 <a:p>
                   <a:r>
-                    <a:rPr lang="uk-UA">
+                    <a:rPr lang="en-US">
                       <a:noFill/>
                     </a:rPr>
                     <a:t> </a:t>
@@ -25264,41 +25888,54 @@
               <a:buNone/>
             </a:pPr>
             <a:r>
-              <a:rPr lang="ru-RU" sz="2400" dirty="0" err="1"/>
+              <a:rPr lang="ru-RU" sz="2400" dirty="0" err="1">
+                <a:latin typeface="Calibri" panose="020F0502020204030204" pitchFamily="34" charset="0"/>
+              </a:rPr>
               <a:t>Детальн</a:t>
             </a:r>
             <a:r>
-              <a:rPr lang="uk-UA" sz="2400" dirty="0" err="1"/>
+              <a:rPr lang="uk-UA" sz="2400" dirty="0" err="1">
+                <a:latin typeface="Calibri" panose="020F0502020204030204" pitchFamily="34" charset="0"/>
+              </a:rPr>
               <a:t>іше</a:t>
             </a:r>
             <a:r>
-              <a:rPr lang="uk-UA" sz="2400" dirty="0"/>
+              <a:rPr lang="uk-UA" sz="2400" dirty="0">
+                <a:latin typeface="Calibri" panose="020F0502020204030204" pitchFamily="34" charset="0"/>
+              </a:rPr>
               <a:t>:</a:t>
             </a:r>
             <a:r>
-              <a:rPr lang="en-US" sz="2400" dirty="0"/>
+              <a:rPr lang="en-US" sz="2400" dirty="0">
+                <a:latin typeface="Calibri" panose="020F0502020204030204" pitchFamily="34" charset="0"/>
+              </a:rPr>
               <a:t> </a:t>
             </a:r>
             <a:r>
               <a:rPr lang="en-US" sz="2400" dirty="0">
+                <a:latin typeface="Calibri" panose="020F0502020204030204" pitchFamily="34" charset="0"/>
                 <a:hlinkClick r:id="rId7"/>
               </a:rPr>
               <a:t>https://uk.wikipedia.org/wiki/</a:t>
             </a:r>
             <a:r>
               <a:rPr lang="ru-RU" sz="2400" dirty="0" err="1">
+                <a:latin typeface="Calibri" panose="020F0502020204030204" pitchFamily="34" charset="0"/>
                 <a:hlinkClick r:id="rId7"/>
               </a:rPr>
               <a:t>Метод_найменших_квадрат</a:t>
             </a:r>
             <a:r>
               <a:rPr lang="uk-UA" sz="2400" dirty="0" err="1">
+                <a:latin typeface="Calibri" panose="020F0502020204030204" pitchFamily="34" charset="0"/>
                 <a:hlinkClick r:id="rId7"/>
               </a:rPr>
               <a:t>ів</a:t>
             </a:r>
             <a:r>
-              <a:rPr lang="uk-UA" sz="2400" dirty="0"/>
+              <a:rPr lang="uk-UA" sz="2400" dirty="0">
+                <a:latin typeface="Calibri" panose="020F0502020204030204" pitchFamily="34" charset="0"/>
+              </a:rPr>
               <a:t>  </a:t>
             </a:r>
           </a:p>
